--- a/crusaderspres.pptx
+++ b/crusaderspres.pptx
@@ -5,11 +5,13 @@
     <p:sldMasterId id="2147483732" r:id="rId1"/>
   </p:sldMasterIdLst>
   <p:sldIdLst>
-    <p:sldId id="256" r:id="rId2"/>
-    <p:sldId id="257" r:id="rId3"/>
-    <p:sldId id="258" r:id="rId4"/>
-    <p:sldId id="259" r:id="rId5"/>
-    <p:sldId id="260" r:id="rId6"/>
+    <p:sldId id="267" r:id="rId2"/>
+    <p:sldId id="256" r:id="rId3"/>
+    <p:sldId id="257" r:id="rId4"/>
+    <p:sldId id="258" r:id="rId5"/>
+    <p:sldId id="261" r:id="rId6"/>
+    <p:sldId id="259" r:id="rId7"/>
+    <p:sldId id="260" r:id="rId8"/>
   </p:sldIdLst>
   <p:sldSz cx="12192000" cy="6858000"/>
   <p:notesSz cx="6858000" cy="9144000"/>
@@ -108,6 +110,22 @@
       </a:defRPr>
     </a:lvl9pPr>
   </p:defaultTextStyle>
+  <p:extLst>
+    <p:ext uri="{EFAFB233-063F-42B5-8137-9DF3F51BA10A}">
+      <p15:sldGuideLst xmlns:p15="http://schemas.microsoft.com/office/powerpoint/2012/main">
+        <p15:guide id="1" orient="horz" pos="2160" userDrawn="1">
+          <p15:clr>
+            <a:srgbClr val="A4A3A4"/>
+          </p15:clr>
+        </p15:guide>
+        <p15:guide id="2" pos="3840" userDrawn="1">
+          <p15:clr>
+            <a:srgbClr val="A4A3A4"/>
+          </p15:clr>
+        </p15:guide>
+      </p15:sldGuideLst>
+    </p:ext>
+  </p:extLst>
 </p:presentation>
 </file>
 
@@ -168,7 +186,7 @@
           <a:noFill/>
           <a:extLst>
             <a:ext uri="{909E8E84-426E-40dd-AFC4-6F175D3DCCD1}">
-              <a14:hiddenFill xmlns:a14="http://schemas.microsoft.com/office/drawing/2010/main" xmlns="">
+              <a14:hiddenFill xmlns="" xmlns:a14="http://schemas.microsoft.com/office/drawing/2010/main">
                 <a:solidFill>
                   <a:srgbClr val="FFFFFF"/>
                 </a:solidFill>
@@ -227,7 +245,7 @@
             </a:ln>
             <a:extLst>
               <a:ext uri="{91240B29-F687-4f45-9708-019B960494DF}">
-                <a14:hiddenLine xmlns:a14="http://schemas.microsoft.com/office/drawing/2010/main" xmlns="" w="9525">
+                <a14:hiddenLine xmlns="" xmlns:a14="http://schemas.microsoft.com/office/drawing/2010/main" w="9525">
                   <a:solidFill>
                     <a:srgbClr val="000000"/>
                   </a:solidFill>
@@ -317,7 +335,7 @@
             </a:ln>
             <a:extLst>
               <a:ext uri="{91240B29-F687-4f45-9708-019B960494DF}">
-                <a14:hiddenLine xmlns:a14="http://schemas.microsoft.com/office/drawing/2010/main" xmlns="" w="9525">
+                <a14:hiddenLine xmlns="" xmlns:a14="http://schemas.microsoft.com/office/drawing/2010/main" w="9525">
                   <a:solidFill>
                     <a:srgbClr val="000000"/>
                   </a:solidFill>
@@ -407,7 +425,7 @@
             </a:ln>
             <a:extLst>
               <a:ext uri="{91240B29-F687-4f45-9708-019B960494DF}">
-                <a14:hiddenLine xmlns:a14="http://schemas.microsoft.com/office/drawing/2010/main" xmlns="" w="9525">
+                <a14:hiddenLine xmlns="" xmlns:a14="http://schemas.microsoft.com/office/drawing/2010/main" w="9525">
                   <a:solidFill>
                     <a:srgbClr val="000000"/>
                   </a:solidFill>
@@ -441,7 +459,7 @@
             </a:ln>
             <a:extLst>
               <a:ext uri="{91240B29-F687-4f45-9708-019B960494DF}">
-                <a14:hiddenLine xmlns:a14="http://schemas.microsoft.com/office/drawing/2010/main" xmlns="" w="9525">
+                <a14:hiddenLine xmlns="" xmlns:a14="http://schemas.microsoft.com/office/drawing/2010/main" w="9525">
                   <a:solidFill>
                     <a:srgbClr val="000000"/>
                   </a:solidFill>
@@ -531,7 +549,7 @@
             </a:ln>
             <a:extLst>
               <a:ext uri="{91240B29-F687-4f45-9708-019B960494DF}">
-                <a14:hiddenLine xmlns:a14="http://schemas.microsoft.com/office/drawing/2010/main" xmlns="" w="9525">
+                <a14:hiddenLine xmlns="" xmlns:a14="http://schemas.microsoft.com/office/drawing/2010/main" w="9525">
                   <a:solidFill>
                     <a:srgbClr val="000000"/>
                   </a:solidFill>
@@ -593,7 +611,7 @@
             </a:ln>
             <a:extLst>
               <a:ext uri="{91240B29-F687-4f45-9708-019B960494DF}">
-                <a14:hiddenLine xmlns:a14="http://schemas.microsoft.com/office/drawing/2010/main" xmlns="" w="9525">
+                <a14:hiddenLine xmlns="" xmlns:a14="http://schemas.microsoft.com/office/drawing/2010/main" w="9525">
                   <a:solidFill>
                     <a:srgbClr val="000000"/>
                   </a:solidFill>
@@ -655,7 +673,7 @@
             </a:ln>
             <a:extLst>
               <a:ext uri="{91240B29-F687-4f45-9708-019B960494DF}">
-                <a14:hiddenLine xmlns:a14="http://schemas.microsoft.com/office/drawing/2010/main" xmlns="" w="9525">
+                <a14:hiddenLine xmlns="" xmlns:a14="http://schemas.microsoft.com/office/drawing/2010/main" w="9525">
                   <a:solidFill>
                     <a:srgbClr val="000000"/>
                   </a:solidFill>
@@ -745,7 +763,7 @@
             </a:ln>
             <a:extLst>
               <a:ext uri="{91240B29-F687-4f45-9708-019B960494DF}">
-                <a14:hiddenLine xmlns:a14="http://schemas.microsoft.com/office/drawing/2010/main" xmlns="" w="9525">
+                <a14:hiddenLine xmlns="" xmlns:a14="http://schemas.microsoft.com/office/drawing/2010/main" w="9525">
                   <a:solidFill>
                     <a:srgbClr val="000000"/>
                   </a:solidFill>
@@ -807,7 +825,7 @@
             </a:ln>
             <a:extLst>
               <a:ext uri="{91240B29-F687-4f45-9708-019B960494DF}">
-                <a14:hiddenLine xmlns:a14="http://schemas.microsoft.com/office/drawing/2010/main" xmlns="" w="9525">
+                <a14:hiddenLine xmlns="" xmlns:a14="http://schemas.microsoft.com/office/drawing/2010/main" w="9525">
                   <a:solidFill>
                     <a:srgbClr val="000000"/>
                   </a:solidFill>
@@ -869,7 +887,7 @@
             </a:ln>
             <a:extLst>
               <a:ext uri="{91240B29-F687-4f45-9708-019B960494DF}">
-                <a14:hiddenLine xmlns:a14="http://schemas.microsoft.com/office/drawing/2010/main" xmlns="" w="9525">
+                <a14:hiddenLine xmlns="" xmlns:a14="http://schemas.microsoft.com/office/drawing/2010/main" w="9525">
                   <a:solidFill>
                     <a:srgbClr val="000000"/>
                   </a:solidFill>
@@ -959,7 +977,7 @@
             </a:ln>
             <a:extLst>
               <a:ext uri="{91240B29-F687-4f45-9708-019B960494DF}">
-                <a14:hiddenLine xmlns:a14="http://schemas.microsoft.com/office/drawing/2010/main" xmlns="" w="9525">
+                <a14:hiddenLine xmlns="" xmlns:a14="http://schemas.microsoft.com/office/drawing/2010/main" w="9525">
                   <a:solidFill>
                     <a:srgbClr val="000000"/>
                   </a:solidFill>
@@ -1049,7 +1067,7 @@
             </a:ln>
             <a:extLst>
               <a:ext uri="{91240B29-F687-4f45-9708-019B960494DF}">
-                <a14:hiddenLine xmlns:a14="http://schemas.microsoft.com/office/drawing/2010/main" xmlns="" w="9525">
+                <a14:hiddenLine xmlns="" xmlns:a14="http://schemas.microsoft.com/office/drawing/2010/main" w="9525">
                   <a:solidFill>
                     <a:srgbClr val="000000"/>
                   </a:solidFill>
@@ -1111,7 +1129,7 @@
             </a:ln>
             <a:extLst>
               <a:ext uri="{91240B29-F687-4f45-9708-019B960494DF}">
-                <a14:hiddenLine xmlns:a14="http://schemas.microsoft.com/office/drawing/2010/main" xmlns="" w="9525">
+                <a14:hiddenLine xmlns="" xmlns:a14="http://schemas.microsoft.com/office/drawing/2010/main" w="9525">
                   <a:solidFill>
                     <a:srgbClr val="000000"/>
                   </a:solidFill>
@@ -1221,7 +1239,7 @@
             </a:ln>
             <a:extLst>
               <a:ext uri="{91240B29-F687-4f45-9708-019B960494DF}">
-                <a14:hiddenLine xmlns:a14="http://schemas.microsoft.com/office/drawing/2010/main" xmlns="" w="9525">
+                <a14:hiddenLine xmlns="" xmlns:a14="http://schemas.microsoft.com/office/drawing/2010/main" w="9525">
                   <a:solidFill>
                     <a:srgbClr val="000000"/>
                   </a:solidFill>
@@ -1283,7 +1301,7 @@
             </a:ln>
             <a:extLst>
               <a:ext uri="{91240B29-F687-4f45-9708-019B960494DF}">
-                <a14:hiddenLine xmlns:a14="http://schemas.microsoft.com/office/drawing/2010/main" xmlns="" w="9525">
+                <a14:hiddenLine xmlns="" xmlns:a14="http://schemas.microsoft.com/office/drawing/2010/main" w="9525">
                   <a:solidFill>
                     <a:srgbClr val="000000"/>
                   </a:solidFill>
@@ -1373,7 +1391,7 @@
             </a:ln>
             <a:extLst>
               <a:ext uri="{91240B29-F687-4f45-9708-019B960494DF}">
-                <a14:hiddenLine xmlns:a14="http://schemas.microsoft.com/office/drawing/2010/main" xmlns="" w="9525">
+                <a14:hiddenLine xmlns="" xmlns:a14="http://schemas.microsoft.com/office/drawing/2010/main" w="9525">
                   <a:solidFill>
                     <a:srgbClr val="000000"/>
                   </a:solidFill>
@@ -1463,7 +1481,7 @@
             </a:ln>
             <a:extLst>
               <a:ext uri="{91240B29-F687-4f45-9708-019B960494DF}">
-                <a14:hiddenLine xmlns:a14="http://schemas.microsoft.com/office/drawing/2010/main" xmlns="" w="9525">
+                <a14:hiddenLine xmlns="" xmlns:a14="http://schemas.microsoft.com/office/drawing/2010/main" w="9525">
                   <a:solidFill>
                     <a:srgbClr val="000000"/>
                   </a:solidFill>
@@ -1525,7 +1543,7 @@
             </a:ln>
             <a:extLst>
               <a:ext uri="{91240B29-F687-4f45-9708-019B960494DF}">
-                <a14:hiddenLine xmlns:a14="http://schemas.microsoft.com/office/drawing/2010/main" xmlns="" w="9525">
+                <a14:hiddenLine xmlns="" xmlns:a14="http://schemas.microsoft.com/office/drawing/2010/main" w="9525">
                   <a:solidFill>
                     <a:srgbClr val="000000"/>
                   </a:solidFill>
@@ -1615,7 +1633,7 @@
             </a:ln>
             <a:extLst>
               <a:ext uri="{91240B29-F687-4f45-9708-019B960494DF}">
-                <a14:hiddenLine xmlns:a14="http://schemas.microsoft.com/office/drawing/2010/main" xmlns="" w="9525">
+                <a14:hiddenLine xmlns="" xmlns:a14="http://schemas.microsoft.com/office/drawing/2010/main" w="9525">
                   <a:solidFill>
                     <a:srgbClr val="000000"/>
                   </a:solidFill>
@@ -1705,7 +1723,7 @@
             </a:ln>
             <a:extLst>
               <a:ext uri="{91240B29-F687-4f45-9708-019B960494DF}">
-                <a14:hiddenLine xmlns:a14="http://schemas.microsoft.com/office/drawing/2010/main" xmlns="" w="9525">
+                <a14:hiddenLine xmlns="" xmlns:a14="http://schemas.microsoft.com/office/drawing/2010/main" w="9525">
                   <a:solidFill>
                     <a:srgbClr val="000000"/>
                   </a:solidFill>
@@ -1761,7 +1779,7 @@
             </a:ln>
             <a:extLst>
               <a:ext uri="{91240B29-F687-4f45-9708-019B960494DF}">
-                <a14:hiddenLine xmlns:a14="http://schemas.microsoft.com/office/drawing/2010/main" xmlns="" w="9525">
+                <a14:hiddenLine xmlns="" xmlns:a14="http://schemas.microsoft.com/office/drawing/2010/main" w="9525">
                   <a:solidFill>
                     <a:srgbClr val="000000"/>
                   </a:solidFill>
@@ -1851,7 +1869,7 @@
             </a:ln>
             <a:extLst>
               <a:ext uri="{91240B29-F687-4f45-9708-019B960494DF}">
-                <a14:hiddenLine xmlns:a14="http://schemas.microsoft.com/office/drawing/2010/main" xmlns="" w="9525">
+                <a14:hiddenLine xmlns="" xmlns:a14="http://schemas.microsoft.com/office/drawing/2010/main" w="9525">
                   <a:solidFill>
                     <a:srgbClr val="000000"/>
                   </a:solidFill>
@@ -1907,7 +1925,7 @@
             </a:ln>
             <a:extLst>
               <a:ext uri="{91240B29-F687-4f45-9708-019B960494DF}">
-                <a14:hiddenLine xmlns:a14="http://schemas.microsoft.com/office/drawing/2010/main" xmlns="" w="9525">
+                <a14:hiddenLine xmlns="" xmlns:a14="http://schemas.microsoft.com/office/drawing/2010/main" w="9525">
                   <a:solidFill>
                     <a:srgbClr val="000000"/>
                   </a:solidFill>
@@ -1997,7 +2015,7 @@
             </a:ln>
             <a:extLst>
               <a:ext uri="{91240B29-F687-4f45-9708-019B960494DF}">
-                <a14:hiddenLine xmlns:a14="http://schemas.microsoft.com/office/drawing/2010/main" xmlns="" w="9525">
+                <a14:hiddenLine xmlns="" xmlns:a14="http://schemas.microsoft.com/office/drawing/2010/main" w="9525">
                   <a:solidFill>
                     <a:srgbClr val="000000"/>
                   </a:solidFill>
@@ -2065,7 +2083,7 @@
             </a:ln>
             <a:extLst>
               <a:ext uri="{91240B29-F687-4f45-9708-019B960494DF}">
-                <a14:hiddenLine xmlns:a14="http://schemas.microsoft.com/office/drawing/2010/main" xmlns="" w="9525">
+                <a14:hiddenLine xmlns="" xmlns:a14="http://schemas.microsoft.com/office/drawing/2010/main" w="9525">
                   <a:solidFill>
                     <a:srgbClr val="000000"/>
                   </a:solidFill>
@@ -2155,7 +2173,7 @@
             </a:ln>
             <a:extLst>
               <a:ext uri="{91240B29-F687-4f45-9708-019B960494DF}">
-                <a14:hiddenLine xmlns:a14="http://schemas.microsoft.com/office/drawing/2010/main" xmlns="" w="9525">
+                <a14:hiddenLine xmlns="" xmlns:a14="http://schemas.microsoft.com/office/drawing/2010/main" w="9525">
                   <a:solidFill>
                     <a:srgbClr val="000000"/>
                   </a:solidFill>
@@ -2223,7 +2241,7 @@
             </a:ln>
             <a:extLst>
               <a:ext uri="{91240B29-F687-4f45-9708-019B960494DF}">
-                <a14:hiddenLine xmlns:a14="http://schemas.microsoft.com/office/drawing/2010/main" xmlns="" w="9525">
+                <a14:hiddenLine xmlns="" xmlns:a14="http://schemas.microsoft.com/office/drawing/2010/main" w="9525">
                   <a:solidFill>
                     <a:srgbClr val="000000"/>
                   </a:solidFill>
@@ -2313,7 +2331,7 @@
             </a:ln>
             <a:extLst>
               <a:ext uri="{91240B29-F687-4f45-9708-019B960494DF}">
-                <a14:hiddenLine xmlns:a14="http://schemas.microsoft.com/office/drawing/2010/main" xmlns="" w="9525">
+                <a14:hiddenLine xmlns="" xmlns:a14="http://schemas.microsoft.com/office/drawing/2010/main" w="9525">
                   <a:solidFill>
                     <a:srgbClr val="000000"/>
                   </a:solidFill>
@@ -2347,7 +2365,7 @@
             </a:ln>
             <a:extLst>
               <a:ext uri="{91240B29-F687-4f45-9708-019B960494DF}">
-                <a14:hiddenLine xmlns:a14="http://schemas.microsoft.com/office/drawing/2010/main" xmlns="" w="9525">
+                <a14:hiddenLine xmlns="" xmlns:a14="http://schemas.microsoft.com/office/drawing/2010/main" w="9525">
                   <a:solidFill>
                     <a:srgbClr val="000000"/>
                   </a:solidFill>
@@ -2437,7 +2455,7 @@
             </a:ln>
             <a:extLst>
               <a:ext uri="{91240B29-F687-4f45-9708-019B960494DF}">
-                <a14:hiddenLine xmlns:a14="http://schemas.microsoft.com/office/drawing/2010/main" xmlns="" w="9525">
+                <a14:hiddenLine xmlns="" xmlns:a14="http://schemas.microsoft.com/office/drawing/2010/main" w="9525">
                   <a:solidFill>
                     <a:srgbClr val="000000"/>
                   </a:solidFill>
@@ -2499,7 +2517,7 @@
             </a:ln>
             <a:extLst>
               <a:ext uri="{91240B29-F687-4f45-9708-019B960494DF}">
-                <a14:hiddenLine xmlns:a14="http://schemas.microsoft.com/office/drawing/2010/main" xmlns="" w="9525">
+                <a14:hiddenLine xmlns="" xmlns:a14="http://schemas.microsoft.com/office/drawing/2010/main" w="9525">
                   <a:solidFill>
                     <a:srgbClr val="000000"/>
                   </a:solidFill>
@@ -2561,7 +2579,7 @@
             </a:ln>
             <a:extLst>
               <a:ext uri="{91240B29-F687-4f45-9708-019B960494DF}">
-                <a14:hiddenLine xmlns:a14="http://schemas.microsoft.com/office/drawing/2010/main" xmlns="" w="9525">
+                <a14:hiddenLine xmlns="" xmlns:a14="http://schemas.microsoft.com/office/drawing/2010/main" w="9525">
                   <a:solidFill>
                     <a:srgbClr val="000000"/>
                   </a:solidFill>
@@ -2651,7 +2669,7 @@
             </a:ln>
             <a:extLst>
               <a:ext uri="{91240B29-F687-4f45-9708-019B960494DF}">
-                <a14:hiddenLine xmlns:a14="http://schemas.microsoft.com/office/drawing/2010/main" xmlns="" w="9525">
+                <a14:hiddenLine xmlns="" xmlns:a14="http://schemas.microsoft.com/office/drawing/2010/main" w="9525">
                   <a:solidFill>
                     <a:srgbClr val="000000"/>
                   </a:solidFill>
@@ -2719,7 +2737,7 @@
             </a:ln>
             <a:extLst>
               <a:ext uri="{91240B29-F687-4f45-9708-019B960494DF}">
-                <a14:hiddenLine xmlns:a14="http://schemas.microsoft.com/office/drawing/2010/main" xmlns="" w="9525">
+                <a14:hiddenLine xmlns="" xmlns:a14="http://schemas.microsoft.com/office/drawing/2010/main" w="9525">
                   <a:solidFill>
                     <a:srgbClr val="000000"/>
                   </a:solidFill>
@@ -2781,7 +2799,7 @@
             </a:ln>
             <a:extLst>
               <a:ext uri="{91240B29-F687-4f45-9708-019B960494DF}">
-                <a14:hiddenLine xmlns:a14="http://schemas.microsoft.com/office/drawing/2010/main" xmlns="" w="9525">
+                <a14:hiddenLine xmlns="" xmlns:a14="http://schemas.microsoft.com/office/drawing/2010/main" w="9525">
                   <a:solidFill>
                     <a:srgbClr val="000000"/>
                   </a:solidFill>
@@ -2871,7 +2889,7 @@
             </a:ln>
             <a:extLst>
               <a:ext uri="{91240B29-F687-4f45-9708-019B960494DF}">
-                <a14:hiddenLine xmlns:a14="http://schemas.microsoft.com/office/drawing/2010/main" xmlns="" w="9525">
+                <a14:hiddenLine xmlns="" xmlns:a14="http://schemas.microsoft.com/office/drawing/2010/main" w="9525">
                   <a:solidFill>
                     <a:srgbClr val="000000"/>
                   </a:solidFill>
@@ -2933,7 +2951,7 @@
             </a:ln>
             <a:extLst>
               <a:ext uri="{91240B29-F687-4f45-9708-019B960494DF}">
-                <a14:hiddenLine xmlns:a14="http://schemas.microsoft.com/office/drawing/2010/main" xmlns="" w="9525">
+                <a14:hiddenLine xmlns="" xmlns:a14="http://schemas.microsoft.com/office/drawing/2010/main" w="9525">
                   <a:solidFill>
                     <a:srgbClr val="000000"/>
                   </a:solidFill>
@@ -3023,7 +3041,7 @@
             </a:ln>
             <a:extLst>
               <a:ext uri="{91240B29-F687-4f45-9708-019B960494DF}">
-                <a14:hiddenLine xmlns:a14="http://schemas.microsoft.com/office/drawing/2010/main" xmlns="" w="9525">
+                <a14:hiddenLine xmlns="" xmlns:a14="http://schemas.microsoft.com/office/drawing/2010/main" w="9525">
                   <a:solidFill>
                     <a:srgbClr val="000000"/>
                   </a:solidFill>
@@ -3085,7 +3103,7 @@
             </a:ln>
             <a:extLst>
               <a:ext uri="{91240B29-F687-4f45-9708-019B960494DF}">
-                <a14:hiddenLine xmlns:a14="http://schemas.microsoft.com/office/drawing/2010/main" xmlns="" w="9525">
+                <a14:hiddenLine xmlns="" xmlns:a14="http://schemas.microsoft.com/office/drawing/2010/main" w="9525">
                   <a:solidFill>
                     <a:srgbClr val="000000"/>
                   </a:solidFill>
@@ -3175,7 +3193,7 @@
             </a:ln>
             <a:extLst>
               <a:ext uri="{91240B29-F687-4f45-9708-019B960494DF}">
-                <a14:hiddenLine xmlns:a14="http://schemas.microsoft.com/office/drawing/2010/main" xmlns="" w="9525">
+                <a14:hiddenLine xmlns="" xmlns:a14="http://schemas.microsoft.com/office/drawing/2010/main" w="9525">
                   <a:solidFill>
                     <a:srgbClr val="000000"/>
                   </a:solidFill>
@@ -3209,7 +3227,7 @@
             </a:ln>
             <a:extLst>
               <a:ext uri="{91240B29-F687-4f45-9708-019B960494DF}">
-                <a14:hiddenLine xmlns:a14="http://schemas.microsoft.com/office/drawing/2010/main" xmlns="" w="9525">
+                <a14:hiddenLine xmlns="" xmlns:a14="http://schemas.microsoft.com/office/drawing/2010/main" w="9525">
                   <a:solidFill>
                     <a:srgbClr val="000000"/>
                   </a:solidFill>
@@ -3274,7 +3292,7 @@
             </a:ln>
             <a:extLst>
               <a:ext uri="{91240B29-F687-4f45-9708-019B960494DF}">
-                <a14:hiddenLine xmlns:a14="http://schemas.microsoft.com/office/drawing/2010/main" xmlns="" w="9525">
+                <a14:hiddenLine xmlns="" xmlns:a14="http://schemas.microsoft.com/office/drawing/2010/main" w="9525">
                   <a:solidFill>
                     <a:srgbClr val="000000"/>
                   </a:solidFill>
@@ -3364,7 +3382,7 @@
             </a:ln>
             <a:extLst>
               <a:ext uri="{91240B29-F687-4f45-9708-019B960494DF}">
-                <a14:hiddenLine xmlns:a14="http://schemas.microsoft.com/office/drawing/2010/main" xmlns="" w="9525">
+                <a14:hiddenLine xmlns="" xmlns:a14="http://schemas.microsoft.com/office/drawing/2010/main" w="9525">
                   <a:solidFill>
                     <a:srgbClr val="000000"/>
                   </a:solidFill>
@@ -3426,7 +3444,7 @@
             </a:ln>
             <a:extLst>
               <a:ext uri="{91240B29-F687-4f45-9708-019B960494DF}">
-                <a14:hiddenLine xmlns:a14="http://schemas.microsoft.com/office/drawing/2010/main" xmlns="" w="9525">
+                <a14:hiddenLine xmlns="" xmlns:a14="http://schemas.microsoft.com/office/drawing/2010/main" w="9525">
                   <a:solidFill>
                     <a:srgbClr val="000000"/>
                   </a:solidFill>
@@ -3516,7 +3534,7 @@
             </a:ln>
             <a:extLst>
               <a:ext uri="{91240B29-F687-4f45-9708-019B960494DF}">
-                <a14:hiddenLine xmlns:a14="http://schemas.microsoft.com/office/drawing/2010/main" xmlns="" w="9525">
+                <a14:hiddenLine xmlns="" xmlns:a14="http://schemas.microsoft.com/office/drawing/2010/main" w="9525">
                   <a:solidFill>
                     <a:srgbClr val="000000"/>
                   </a:solidFill>
@@ -3606,7 +3624,7 @@
             </a:ln>
             <a:extLst>
               <a:ext uri="{91240B29-F687-4f45-9708-019B960494DF}">
-                <a14:hiddenLine xmlns:a14="http://schemas.microsoft.com/office/drawing/2010/main" xmlns="" w="9525">
+                <a14:hiddenLine xmlns="" xmlns:a14="http://schemas.microsoft.com/office/drawing/2010/main" w="9525">
                   <a:solidFill>
                     <a:srgbClr val="000000"/>
                   </a:solidFill>
@@ -3671,7 +3689,7 @@
             </a:ln>
             <a:extLst>
               <a:ext uri="{91240B29-F687-4f45-9708-019B960494DF}">
-                <a14:hiddenLine xmlns:a14="http://schemas.microsoft.com/office/drawing/2010/main" xmlns="" w="9525">
+                <a14:hiddenLine xmlns="" xmlns:a14="http://schemas.microsoft.com/office/drawing/2010/main" w="9525">
                   <a:solidFill>
                     <a:srgbClr val="000000"/>
                   </a:solidFill>
@@ -3733,7 +3751,7 @@
             </a:ln>
             <a:extLst>
               <a:ext uri="{91240B29-F687-4f45-9708-019B960494DF}">
-                <a14:hiddenLine xmlns:a14="http://schemas.microsoft.com/office/drawing/2010/main" xmlns="" w="9525">
+                <a14:hiddenLine xmlns="" xmlns:a14="http://schemas.microsoft.com/office/drawing/2010/main" w="9525">
                   <a:solidFill>
                     <a:srgbClr val="000000"/>
                   </a:solidFill>
@@ -3823,7 +3841,7 @@
             </a:ln>
             <a:extLst>
               <a:ext uri="{91240B29-F687-4f45-9708-019B960494DF}">
-                <a14:hiddenLine xmlns:a14="http://schemas.microsoft.com/office/drawing/2010/main" xmlns="" w="9525">
+                <a14:hiddenLine xmlns="" xmlns:a14="http://schemas.microsoft.com/office/drawing/2010/main" w="9525">
                   <a:solidFill>
                     <a:srgbClr val="000000"/>
                   </a:solidFill>
@@ -3913,7 +3931,7 @@
             </a:ln>
             <a:extLst>
               <a:ext uri="{91240B29-F687-4f45-9708-019B960494DF}">
-                <a14:hiddenLine xmlns:a14="http://schemas.microsoft.com/office/drawing/2010/main" xmlns="" w="9525">
+                <a14:hiddenLine xmlns="" xmlns:a14="http://schemas.microsoft.com/office/drawing/2010/main" w="9525">
                   <a:solidFill>
                     <a:srgbClr val="000000"/>
                   </a:solidFill>
@@ -3975,7 +3993,7 @@
             </a:ln>
             <a:extLst>
               <a:ext uri="{91240B29-F687-4f45-9708-019B960494DF}">
-                <a14:hiddenLine xmlns:a14="http://schemas.microsoft.com/office/drawing/2010/main" xmlns="" w="9525">
+                <a14:hiddenLine xmlns="" xmlns:a14="http://schemas.microsoft.com/office/drawing/2010/main" w="9525">
                   <a:solidFill>
                     <a:srgbClr val="000000"/>
                   </a:solidFill>
@@ -4095,7 +4113,7 @@
             </a:ln>
             <a:extLst>
               <a:ext uri="{91240B29-F687-4f45-9708-019B960494DF}">
-                <a14:hiddenLine xmlns:a14="http://schemas.microsoft.com/office/drawing/2010/main" xmlns="" w="9525">
+                <a14:hiddenLine xmlns="" xmlns:a14="http://schemas.microsoft.com/office/drawing/2010/main" w="9525">
                   <a:solidFill>
                     <a:srgbClr val="000000"/>
                   </a:solidFill>
@@ -4163,7 +4181,7 @@
             </a:ln>
             <a:extLst>
               <a:ext uri="{91240B29-F687-4f45-9708-019B960494DF}">
-                <a14:hiddenLine xmlns:a14="http://schemas.microsoft.com/office/drawing/2010/main" xmlns="" w="9525">
+                <a14:hiddenLine xmlns="" xmlns:a14="http://schemas.microsoft.com/office/drawing/2010/main" w="9525">
                   <a:solidFill>
                     <a:srgbClr val="000000"/>
                   </a:solidFill>
@@ -4253,7 +4271,7 @@
             </a:ln>
             <a:extLst>
               <a:ext uri="{91240B29-F687-4f45-9708-019B960494DF}">
-                <a14:hiddenLine xmlns:a14="http://schemas.microsoft.com/office/drawing/2010/main" xmlns="" w="9525">
+                <a14:hiddenLine xmlns="" xmlns:a14="http://schemas.microsoft.com/office/drawing/2010/main" w="9525">
                   <a:solidFill>
                     <a:srgbClr val="000000"/>
                   </a:solidFill>
@@ -4393,7 +4411,7 @@
           <a:p>
             <a:fld id="{708734C1-EB1A-9149-B1E8-398121D33CFA}" type="datetimeFigureOut">
               <a:rPr lang="en-US" smtClean="0"/>
-              <a:t>5/24/20</a:t>
+              <a:t>5/25/2020</a:t>
             </a:fld>
             <a:endParaRPr lang="en-US"/>
           </a:p>
@@ -4660,7 +4678,7 @@
           <a:p>
             <a:fld id="{708734C1-EB1A-9149-B1E8-398121D33CFA}" type="datetimeFigureOut">
               <a:rPr lang="en-US" smtClean="0"/>
-              <a:t>5/24/20</a:t>
+              <a:t>5/25/2020</a:t>
             </a:fld>
             <a:endParaRPr lang="en-US"/>
           </a:p>
@@ -4856,7 +4874,7 @@
           <a:p>
             <a:fld id="{708734C1-EB1A-9149-B1E8-398121D33CFA}" type="datetimeFigureOut">
               <a:rPr lang="en-US" smtClean="0"/>
-              <a:t>5/24/20</a:t>
+              <a:t>5/25/2020</a:t>
             </a:fld>
             <a:endParaRPr lang="en-US"/>
           </a:p>
@@ -5119,7 +5137,7 @@
           <a:p>
             <a:fld id="{708734C1-EB1A-9149-B1E8-398121D33CFA}" type="datetimeFigureOut">
               <a:rPr lang="en-US" smtClean="0"/>
-              <a:t>5/24/20</a:t>
+              <a:t>5/25/2020</a:t>
             </a:fld>
             <a:endParaRPr lang="en-US"/>
           </a:p>
@@ -5553,7 +5571,7 @@
           <a:p>
             <a:fld id="{708734C1-EB1A-9149-B1E8-398121D33CFA}" type="datetimeFigureOut">
               <a:rPr lang="en-US" smtClean="0"/>
-              <a:t>5/24/20</a:t>
+              <a:t>5/25/2020</a:t>
             </a:fld>
             <a:endParaRPr lang="en-US"/>
           </a:p>
@@ -6099,7 +6117,7 @@
           <a:p>
             <a:fld id="{708734C1-EB1A-9149-B1E8-398121D33CFA}" type="datetimeFigureOut">
               <a:rPr lang="en-US" smtClean="0"/>
-              <a:t>5/24/20</a:t>
+              <a:t>5/25/2020</a:t>
             </a:fld>
             <a:endParaRPr lang="en-US"/>
           </a:p>
@@ -6819,7 +6837,7 @@
           <a:p>
             <a:fld id="{708734C1-EB1A-9149-B1E8-398121D33CFA}" type="datetimeFigureOut">
               <a:rPr lang="en-US" smtClean="0"/>
-              <a:t>5/24/20</a:t>
+              <a:t>5/25/2020</a:t>
             </a:fld>
             <a:endParaRPr lang="en-US"/>
           </a:p>
@@ -6989,7 +7007,7 @@
           <a:p>
             <a:fld id="{708734C1-EB1A-9149-B1E8-398121D33CFA}" type="datetimeFigureOut">
               <a:rPr lang="en-US" smtClean="0"/>
-              <a:t>5/24/20</a:t>
+              <a:t>5/25/2020</a:t>
             </a:fld>
             <a:endParaRPr lang="en-US"/>
           </a:p>
@@ -7169,7 +7187,7 @@
           <a:p>
             <a:fld id="{708734C1-EB1A-9149-B1E8-398121D33CFA}" type="datetimeFigureOut">
               <a:rPr lang="en-US" smtClean="0"/>
-              <a:t>5/24/20</a:t>
+              <a:t>5/25/2020</a:t>
             </a:fld>
             <a:endParaRPr lang="en-US"/>
           </a:p>
@@ -7339,7 +7357,7 @@
           <a:p>
             <a:fld id="{708734C1-EB1A-9149-B1E8-398121D33CFA}" type="datetimeFigureOut">
               <a:rPr lang="en-US" smtClean="0"/>
-              <a:t>5/24/20</a:t>
+              <a:t>5/25/2020</a:t>
             </a:fld>
             <a:endParaRPr lang="en-US"/>
           </a:p>
@@ -7589,7 +7607,7 @@
           <a:p>
             <a:fld id="{708734C1-EB1A-9149-B1E8-398121D33CFA}" type="datetimeFigureOut">
               <a:rPr lang="en-US" smtClean="0"/>
-              <a:t>5/24/20</a:t>
+              <a:t>5/25/2020</a:t>
             </a:fld>
             <a:endParaRPr lang="en-US"/>
           </a:p>
@@ -7821,7 +7839,7 @@
           <a:p>
             <a:fld id="{708734C1-EB1A-9149-B1E8-398121D33CFA}" type="datetimeFigureOut">
               <a:rPr lang="en-US" smtClean="0"/>
-              <a:t>5/24/20</a:t>
+              <a:t>5/25/2020</a:t>
             </a:fld>
             <a:endParaRPr lang="en-US"/>
           </a:p>
@@ -8202,7 +8220,7 @@
           <a:p>
             <a:fld id="{708734C1-EB1A-9149-B1E8-398121D33CFA}" type="datetimeFigureOut">
               <a:rPr lang="en-US" smtClean="0"/>
-              <a:t>5/24/20</a:t>
+              <a:t>5/25/2020</a:t>
             </a:fld>
             <a:endParaRPr lang="en-US"/>
           </a:p>
@@ -8320,7 +8338,7 @@
           <a:p>
             <a:fld id="{708734C1-EB1A-9149-B1E8-398121D33CFA}" type="datetimeFigureOut">
               <a:rPr lang="en-US" smtClean="0"/>
-              <a:t>5/24/20</a:t>
+              <a:t>5/25/2020</a:t>
             </a:fld>
             <a:endParaRPr lang="en-US"/>
           </a:p>
@@ -8415,7 +8433,7 @@
           <a:p>
             <a:fld id="{708734C1-EB1A-9149-B1E8-398121D33CFA}" type="datetimeFigureOut">
               <a:rPr lang="en-US" smtClean="0"/>
-              <a:t>5/24/20</a:t>
+              <a:t>5/25/2020</a:t>
             </a:fld>
             <a:endParaRPr lang="en-US"/>
           </a:p>
@@ -8664,7 +8682,7 @@
           <a:p>
             <a:fld id="{708734C1-EB1A-9149-B1E8-398121D33CFA}" type="datetimeFigureOut">
               <a:rPr lang="en-US" smtClean="0"/>
-              <a:t>5/24/20</a:t>
+              <a:t>5/25/2020</a:t>
             </a:fld>
             <a:endParaRPr lang="en-US"/>
           </a:p>
@@ -8944,7 +8962,7 @@
           <a:p>
             <a:fld id="{708734C1-EB1A-9149-B1E8-398121D33CFA}" type="datetimeFigureOut">
               <a:rPr lang="en-US" smtClean="0"/>
-              <a:t>5/24/20</a:t>
+              <a:t>5/25/2020</a:t>
             </a:fld>
             <a:endParaRPr lang="en-US"/>
           </a:p>
@@ -9067,7 +9085,7 @@
           <a:noFill/>
           <a:extLst>
             <a:ext uri="{909E8E84-426E-40dd-AFC4-6F175D3DCCD1}">
-              <a14:hiddenFill xmlns:a14="http://schemas.microsoft.com/office/drawing/2010/main" xmlns="">
+              <a14:hiddenFill xmlns="" xmlns:a14="http://schemas.microsoft.com/office/drawing/2010/main">
                 <a:solidFill>
                   <a:srgbClr val="FFFFFF"/>
                 </a:solidFill>
@@ -9141,7 +9159,7 @@
               </a:ln>
               <a:extLst>
                 <a:ext uri="{91240B29-F687-4f45-9708-019B960494DF}">
-                  <a14:hiddenLine xmlns:a14="http://schemas.microsoft.com/office/drawing/2010/main" xmlns="" w="9525">
+                  <a14:hiddenLine xmlns="" xmlns:a14="http://schemas.microsoft.com/office/drawing/2010/main" w="9525">
                     <a:solidFill>
                       <a:srgbClr val="000000"/>
                     </a:solidFill>
@@ -9231,7 +9249,7 @@
               </a:ln>
               <a:extLst>
                 <a:ext uri="{91240B29-F687-4f45-9708-019B960494DF}">
-                  <a14:hiddenLine xmlns:a14="http://schemas.microsoft.com/office/drawing/2010/main" xmlns="" w="9525">
+                  <a14:hiddenLine xmlns="" xmlns:a14="http://schemas.microsoft.com/office/drawing/2010/main" w="9525">
                     <a:solidFill>
                       <a:srgbClr val="000000"/>
                     </a:solidFill>
@@ -9321,7 +9339,7 @@
               </a:ln>
               <a:extLst>
                 <a:ext uri="{91240B29-F687-4f45-9708-019B960494DF}">
-                  <a14:hiddenLine xmlns:a14="http://schemas.microsoft.com/office/drawing/2010/main" xmlns="" w="9525">
+                  <a14:hiddenLine xmlns="" xmlns:a14="http://schemas.microsoft.com/office/drawing/2010/main" w="9525">
                     <a:solidFill>
                       <a:srgbClr val="000000"/>
                     </a:solidFill>
@@ -9383,7 +9401,7 @@
               </a:ln>
               <a:extLst>
                 <a:ext uri="{91240B29-F687-4f45-9708-019B960494DF}">
-                  <a14:hiddenLine xmlns:a14="http://schemas.microsoft.com/office/drawing/2010/main" xmlns="" w="9525">
+                  <a14:hiddenLine xmlns="" xmlns:a14="http://schemas.microsoft.com/office/drawing/2010/main" w="9525">
                     <a:solidFill>
                       <a:srgbClr val="000000"/>
                     </a:solidFill>
@@ -9473,7 +9491,7 @@
               </a:ln>
               <a:extLst>
                 <a:ext uri="{91240B29-F687-4f45-9708-019B960494DF}">
-                  <a14:hiddenLine xmlns:a14="http://schemas.microsoft.com/office/drawing/2010/main" xmlns="" w="9525">
+                  <a14:hiddenLine xmlns="" xmlns:a14="http://schemas.microsoft.com/office/drawing/2010/main" w="9525">
                     <a:solidFill>
                       <a:srgbClr val="000000"/>
                     </a:solidFill>
@@ -9535,7 +9553,7 @@
               </a:ln>
               <a:extLst>
                 <a:ext uri="{91240B29-F687-4f45-9708-019B960494DF}">
-                  <a14:hiddenLine xmlns:a14="http://schemas.microsoft.com/office/drawing/2010/main" xmlns="" w="9525">
+                  <a14:hiddenLine xmlns="" xmlns:a14="http://schemas.microsoft.com/office/drawing/2010/main" w="9525">
                     <a:solidFill>
                       <a:srgbClr val="000000"/>
                     </a:solidFill>
@@ -9597,7 +9615,7 @@
               </a:ln>
               <a:extLst>
                 <a:ext uri="{91240B29-F687-4f45-9708-019B960494DF}">
-                  <a14:hiddenLine xmlns:a14="http://schemas.microsoft.com/office/drawing/2010/main" xmlns="" w="9525">
+                  <a14:hiddenLine xmlns="" xmlns:a14="http://schemas.microsoft.com/office/drawing/2010/main" w="9525">
                     <a:solidFill>
                       <a:srgbClr val="000000"/>
                     </a:solidFill>
@@ -9687,7 +9705,7 @@
               </a:ln>
               <a:extLst>
                 <a:ext uri="{91240B29-F687-4f45-9708-019B960494DF}">
-                  <a14:hiddenLine xmlns:a14="http://schemas.microsoft.com/office/drawing/2010/main" xmlns="" w="9525">
+                  <a14:hiddenLine xmlns="" xmlns:a14="http://schemas.microsoft.com/office/drawing/2010/main" w="9525">
                     <a:solidFill>
                       <a:srgbClr val="000000"/>
                     </a:solidFill>
@@ -9777,7 +9795,7 @@
               </a:ln>
               <a:extLst>
                 <a:ext uri="{91240B29-F687-4f45-9708-019B960494DF}">
-                  <a14:hiddenLine xmlns:a14="http://schemas.microsoft.com/office/drawing/2010/main" xmlns="" w="9525">
+                  <a14:hiddenLine xmlns="" xmlns:a14="http://schemas.microsoft.com/office/drawing/2010/main" w="9525">
                     <a:solidFill>
                       <a:srgbClr val="000000"/>
                     </a:solidFill>
@@ -9839,7 +9857,7 @@
               </a:ln>
               <a:extLst>
                 <a:ext uri="{91240B29-F687-4f45-9708-019B960494DF}">
-                  <a14:hiddenLine xmlns:a14="http://schemas.microsoft.com/office/drawing/2010/main" xmlns="" w="9525">
+                  <a14:hiddenLine xmlns="" xmlns:a14="http://schemas.microsoft.com/office/drawing/2010/main" w="9525">
                     <a:solidFill>
                       <a:srgbClr val="000000"/>
                     </a:solidFill>
@@ -9949,7 +9967,7 @@
               </a:ln>
               <a:extLst>
                 <a:ext uri="{91240B29-F687-4f45-9708-019B960494DF}">
-                  <a14:hiddenLine xmlns:a14="http://schemas.microsoft.com/office/drawing/2010/main" xmlns="" w="9525">
+                  <a14:hiddenLine xmlns="" xmlns:a14="http://schemas.microsoft.com/office/drawing/2010/main" w="9525">
                     <a:solidFill>
                       <a:srgbClr val="000000"/>
                     </a:solidFill>
@@ -10033,7 +10051,7 @@
               </a:ln>
               <a:extLst>
                 <a:ext uri="{91240B29-F687-4f45-9708-019B960494DF}">
-                  <a14:hiddenLine xmlns:a14="http://schemas.microsoft.com/office/drawing/2010/main" xmlns="" w="9525">
+                  <a14:hiddenLine xmlns="" xmlns:a14="http://schemas.microsoft.com/office/drawing/2010/main" w="9525">
                     <a:solidFill>
                       <a:srgbClr val="000000"/>
                     </a:solidFill>
@@ -10095,7 +10113,7 @@
               </a:ln>
               <a:extLst>
                 <a:ext uri="{91240B29-F687-4f45-9708-019B960494DF}">
-                  <a14:hiddenLine xmlns:a14="http://schemas.microsoft.com/office/drawing/2010/main" xmlns="" w="9525">
+                  <a14:hiddenLine xmlns="" xmlns:a14="http://schemas.microsoft.com/office/drawing/2010/main" w="9525">
                     <a:solidFill>
                       <a:srgbClr val="000000"/>
                     </a:solidFill>
@@ -10157,7 +10175,7 @@
               </a:ln>
               <a:extLst>
                 <a:ext uri="{91240B29-F687-4f45-9708-019B960494DF}">
-                  <a14:hiddenLine xmlns:a14="http://schemas.microsoft.com/office/drawing/2010/main" xmlns="" w="9525">
+                  <a14:hiddenLine xmlns="" xmlns:a14="http://schemas.microsoft.com/office/drawing/2010/main" w="9525">
                     <a:solidFill>
                       <a:srgbClr val="000000"/>
                     </a:solidFill>
@@ -10247,7 +10265,7 @@
               </a:ln>
               <a:extLst>
                 <a:ext uri="{91240B29-F687-4f45-9708-019B960494DF}">
-                  <a14:hiddenLine xmlns:a14="http://schemas.microsoft.com/office/drawing/2010/main" xmlns="" w="9525">
+                  <a14:hiddenLine xmlns="" xmlns:a14="http://schemas.microsoft.com/office/drawing/2010/main" w="9525">
                     <a:solidFill>
                       <a:srgbClr val="000000"/>
                     </a:solidFill>
@@ -10281,7 +10299,7 @@
               </a:ln>
               <a:extLst>
                 <a:ext uri="{91240B29-F687-4f45-9708-019B960494DF}">
-                  <a14:hiddenLine xmlns:a14="http://schemas.microsoft.com/office/drawing/2010/main" xmlns="" w="9525">
+                  <a14:hiddenLine xmlns="" xmlns:a14="http://schemas.microsoft.com/office/drawing/2010/main" w="9525">
                     <a:solidFill>
                       <a:srgbClr val="000000"/>
                     </a:solidFill>
@@ -10346,7 +10364,7 @@
               </a:ln>
               <a:extLst>
                 <a:ext uri="{91240B29-F687-4f45-9708-019B960494DF}">
-                  <a14:hiddenLine xmlns:a14="http://schemas.microsoft.com/office/drawing/2010/main" xmlns="" w="9525">
+                  <a14:hiddenLine xmlns="" xmlns:a14="http://schemas.microsoft.com/office/drawing/2010/main" w="9525">
                     <a:solidFill>
                       <a:srgbClr val="000000"/>
                     </a:solidFill>
@@ -10436,7 +10454,7 @@
               </a:ln>
               <a:extLst>
                 <a:ext uri="{91240B29-F687-4f45-9708-019B960494DF}">
-                  <a14:hiddenLine xmlns:a14="http://schemas.microsoft.com/office/drawing/2010/main" xmlns="" w="9525">
+                  <a14:hiddenLine xmlns="" xmlns:a14="http://schemas.microsoft.com/office/drawing/2010/main" w="9525">
                     <a:solidFill>
                       <a:srgbClr val="000000"/>
                     </a:solidFill>
@@ -10498,7 +10516,7 @@
               </a:ln>
               <a:extLst>
                 <a:ext uri="{91240B29-F687-4f45-9708-019B960494DF}">
-                  <a14:hiddenLine xmlns:a14="http://schemas.microsoft.com/office/drawing/2010/main" xmlns="" w="9525">
+                  <a14:hiddenLine xmlns="" xmlns:a14="http://schemas.microsoft.com/office/drawing/2010/main" w="9525">
                     <a:solidFill>
                       <a:srgbClr val="000000"/>
                     </a:solidFill>
@@ -10588,7 +10606,7 @@
               </a:ln>
               <a:extLst>
                 <a:ext uri="{91240B29-F687-4f45-9708-019B960494DF}">
-                  <a14:hiddenLine xmlns:a14="http://schemas.microsoft.com/office/drawing/2010/main" xmlns="" w="9525">
+                  <a14:hiddenLine xmlns="" xmlns:a14="http://schemas.microsoft.com/office/drawing/2010/main" w="9525">
                     <a:solidFill>
                       <a:srgbClr val="000000"/>
                     </a:solidFill>
@@ -10653,7 +10671,7 @@
               </a:ln>
               <a:extLst>
                 <a:ext uri="{91240B29-F687-4f45-9708-019B960494DF}">
-                  <a14:hiddenLine xmlns:a14="http://schemas.microsoft.com/office/drawing/2010/main" xmlns="" w="9525">
+                  <a14:hiddenLine xmlns="" xmlns:a14="http://schemas.microsoft.com/office/drawing/2010/main" w="9525">
                     <a:solidFill>
                       <a:srgbClr val="000000"/>
                     </a:solidFill>
@@ -10715,7 +10733,7 @@
               </a:ln>
               <a:extLst>
                 <a:ext uri="{91240B29-F687-4f45-9708-019B960494DF}">
-                  <a14:hiddenLine xmlns:a14="http://schemas.microsoft.com/office/drawing/2010/main" xmlns="" w="9525">
+                  <a14:hiddenLine xmlns="" xmlns:a14="http://schemas.microsoft.com/office/drawing/2010/main" w="9525">
                     <a:solidFill>
                       <a:srgbClr val="000000"/>
                     </a:solidFill>
@@ -10805,7 +10823,7 @@
               </a:ln>
               <a:extLst>
                 <a:ext uri="{91240B29-F687-4f45-9708-019B960494DF}">
-                  <a14:hiddenLine xmlns:a14="http://schemas.microsoft.com/office/drawing/2010/main" xmlns="" w="9525">
+                  <a14:hiddenLine xmlns="" xmlns:a14="http://schemas.microsoft.com/office/drawing/2010/main" w="9525">
                     <a:solidFill>
                       <a:srgbClr val="000000"/>
                     </a:solidFill>
@@ -10895,7 +10913,7 @@
               </a:ln>
               <a:extLst>
                 <a:ext uri="{91240B29-F687-4f45-9708-019B960494DF}">
-                  <a14:hiddenLine xmlns:a14="http://schemas.microsoft.com/office/drawing/2010/main" xmlns="" w="9525">
+                  <a14:hiddenLine xmlns="" xmlns:a14="http://schemas.microsoft.com/office/drawing/2010/main" w="9525">
                     <a:solidFill>
                       <a:srgbClr val="000000"/>
                     </a:solidFill>
@@ -10960,7 +10978,7 @@
               </a:ln>
               <a:extLst>
                 <a:ext uri="{91240B29-F687-4f45-9708-019B960494DF}">
-                  <a14:hiddenLine xmlns:a14="http://schemas.microsoft.com/office/drawing/2010/main" xmlns="" w="9525">
+                  <a14:hiddenLine xmlns="" xmlns:a14="http://schemas.microsoft.com/office/drawing/2010/main" w="9525">
                     <a:solidFill>
                       <a:srgbClr val="000000"/>
                     </a:solidFill>
@@ -11080,7 +11098,7 @@
               </a:ln>
               <a:extLst>
                 <a:ext uri="{91240B29-F687-4f45-9708-019B960494DF}">
-                  <a14:hiddenLine xmlns:a14="http://schemas.microsoft.com/office/drawing/2010/main" xmlns="" w="9525">
+                  <a14:hiddenLine xmlns="" xmlns:a14="http://schemas.microsoft.com/office/drawing/2010/main" w="9525">
                     <a:solidFill>
                       <a:srgbClr val="000000"/>
                     </a:solidFill>
@@ -11161,7 +11179,7 @@
               </a:ln>
               <a:extLst>
                 <a:ext uri="{91240B29-F687-4f45-9708-019B960494DF}">
-                  <a14:hiddenLine xmlns:a14="http://schemas.microsoft.com/office/drawing/2010/main" xmlns="" w="9525">
+                  <a14:hiddenLine xmlns="" xmlns:a14="http://schemas.microsoft.com/office/drawing/2010/main" w="9525">
                     <a:solidFill>
                       <a:srgbClr val="000000"/>
                     </a:solidFill>
@@ -11276,7 +11294,7 @@
               </a:ln>
               <a:extLst>
                 <a:ext uri="{91240B29-F687-4f45-9708-019B960494DF}">
-                  <a14:hiddenLine xmlns:a14="http://schemas.microsoft.com/office/drawing/2010/main" xmlns="" w="9525">
+                  <a14:hiddenLine xmlns="" xmlns:a14="http://schemas.microsoft.com/office/drawing/2010/main" w="9525">
                     <a:solidFill>
                       <a:srgbClr val="000000"/>
                     </a:solidFill>
@@ -11366,7 +11384,7 @@
               </a:ln>
               <a:extLst>
                 <a:ext uri="{91240B29-F687-4f45-9708-019B960494DF}">
-                  <a14:hiddenLine xmlns:a14="http://schemas.microsoft.com/office/drawing/2010/main" xmlns="" w="9525">
+                  <a14:hiddenLine xmlns="" xmlns:a14="http://schemas.microsoft.com/office/drawing/2010/main" w="9525">
                     <a:solidFill>
                       <a:srgbClr val="000000"/>
                     </a:solidFill>
@@ -11431,7 +11449,7 @@
               </a:ln>
               <a:extLst>
                 <a:ext uri="{91240B29-F687-4f45-9708-019B960494DF}">
-                  <a14:hiddenLine xmlns:a14="http://schemas.microsoft.com/office/drawing/2010/main" xmlns="" w="9525">
+                  <a14:hiddenLine xmlns="" xmlns:a14="http://schemas.microsoft.com/office/drawing/2010/main" w="9525">
                     <a:solidFill>
                       <a:srgbClr val="000000"/>
                     </a:solidFill>
@@ -11521,7 +11539,7 @@
               </a:ln>
               <a:extLst>
                 <a:ext uri="{91240B29-F687-4f45-9708-019B960494DF}">
-                  <a14:hiddenLine xmlns:a14="http://schemas.microsoft.com/office/drawing/2010/main" xmlns="" w="9525">
+                  <a14:hiddenLine xmlns="" xmlns:a14="http://schemas.microsoft.com/office/drawing/2010/main" w="9525">
                     <a:solidFill>
                       <a:srgbClr val="000000"/>
                     </a:solidFill>
@@ -11589,7 +11607,7 @@
               </a:ln>
               <a:extLst>
                 <a:ext uri="{91240B29-F687-4f45-9708-019B960494DF}">
-                  <a14:hiddenLine xmlns:a14="http://schemas.microsoft.com/office/drawing/2010/main" xmlns="" w="9525">
+                  <a14:hiddenLine xmlns="" xmlns:a14="http://schemas.microsoft.com/office/drawing/2010/main" w="9525">
                     <a:solidFill>
                       <a:srgbClr val="000000"/>
                     </a:solidFill>
@@ -11679,7 +11697,7 @@
               </a:ln>
               <a:extLst>
                 <a:ext uri="{91240B29-F687-4f45-9708-019B960494DF}">
-                  <a14:hiddenLine xmlns:a14="http://schemas.microsoft.com/office/drawing/2010/main" xmlns="" w="9525">
+                  <a14:hiddenLine xmlns="" xmlns:a14="http://schemas.microsoft.com/office/drawing/2010/main" w="9525">
                     <a:solidFill>
                       <a:srgbClr val="000000"/>
                     </a:solidFill>
@@ -11747,7 +11765,7 @@
               </a:ln>
               <a:extLst>
                 <a:ext uri="{91240B29-F687-4f45-9708-019B960494DF}">
-                  <a14:hiddenLine xmlns:a14="http://schemas.microsoft.com/office/drawing/2010/main" xmlns="" w="9525">
+                  <a14:hiddenLine xmlns="" xmlns:a14="http://schemas.microsoft.com/office/drawing/2010/main" w="9525">
                     <a:solidFill>
                       <a:srgbClr val="000000"/>
                     </a:solidFill>
@@ -11837,7 +11855,7 @@
               </a:ln>
               <a:extLst>
                 <a:ext uri="{91240B29-F687-4f45-9708-019B960494DF}">
-                  <a14:hiddenLine xmlns:a14="http://schemas.microsoft.com/office/drawing/2010/main" xmlns="" w="9525">
+                  <a14:hiddenLine xmlns="" xmlns:a14="http://schemas.microsoft.com/office/drawing/2010/main" w="9525">
                     <a:solidFill>
                       <a:srgbClr val="000000"/>
                     </a:solidFill>
@@ -11871,7 +11889,7 @@
               </a:ln>
               <a:extLst>
                 <a:ext uri="{91240B29-F687-4f45-9708-019B960494DF}">
-                  <a14:hiddenLine xmlns:a14="http://schemas.microsoft.com/office/drawing/2010/main" xmlns="" w="9525">
+                  <a14:hiddenLine xmlns="" xmlns:a14="http://schemas.microsoft.com/office/drawing/2010/main" w="9525">
                     <a:solidFill>
                       <a:srgbClr val="000000"/>
                     </a:solidFill>
@@ -12011,7 +12029,7 @@
           <a:p>
             <a:fld id="{708734C1-EB1A-9149-B1E8-398121D33CFA}" type="datetimeFigureOut">
               <a:rPr lang="en-US" smtClean="0"/>
-              <a:t>5/24/20</a:t>
+              <a:t>5/25/2020</a:t>
             </a:fld>
             <a:endParaRPr lang="en-US"/>
           </a:p>
@@ -12431,6 +12449,69 @@
           <a:chExt cx="0" cy="0"/>
         </a:xfrm>
       </p:grpSpPr>
+      <p:pic>
+        <p:nvPicPr>
+          <p:cNvPr id="4" name="Picture 3">
+            <a:extLst>
+              <a:ext uri="{FF2B5EF4-FFF2-40B4-BE49-F238E27FC236}">
+                <a16:creationId xmlns:a16="http://schemas.microsoft.com/office/drawing/2014/main" id="{33C0988A-9B29-44B4-B4F2-2856D43168D9}"/>
+              </a:ext>
+            </a:extLst>
+          </p:cNvPr>
+          <p:cNvPicPr>
+            <a:picLocks noChangeAspect="1"/>
+          </p:cNvPicPr>
+          <p:nvPr/>
+        </p:nvPicPr>
+        <p:blipFill>
+          <a:blip r:embed="rId2"/>
+          <a:stretch>
+            <a:fillRect/>
+          </a:stretch>
+        </p:blipFill>
+        <p:spPr>
+          <a:xfrm>
+            <a:off x="2883195" y="697000"/>
+            <a:ext cx="6245654" cy="3377068"/>
+          </a:xfrm>
+          <a:prstGeom prst="rect">
+            <a:avLst/>
+          </a:prstGeom>
+          <a:effectLst>
+            <a:reflection blurRad="6350" stA="50000" endA="300" endPos="55500" dist="50800" dir="5400000" sy="-100000" algn="bl" rotWithShape="0"/>
+          </a:effectLst>
+        </p:spPr>
+      </p:pic>
+    </p:spTree>
+    <p:extLst>
+      <p:ext uri="{BB962C8B-B14F-4D97-AF65-F5344CB8AC3E}">
+        <p14:creationId xmlns:p14="http://schemas.microsoft.com/office/powerpoint/2010/main" val="3227185157"/>
+      </p:ext>
+    </p:extLst>
+  </p:cSld>
+  <p:clrMapOvr>
+    <a:masterClrMapping/>
+  </p:clrMapOvr>
+</p:sld>
+</file>
+
+<file path=ppt/slides/slide2.xml><?xml version="1.0" encoding="utf-8"?>
+<p:sld xmlns:a="http://schemas.openxmlformats.org/drawingml/2006/main" xmlns:r="http://schemas.openxmlformats.org/officeDocument/2006/relationships" xmlns:p="http://schemas.openxmlformats.org/presentationml/2006/main">
+  <p:cSld>
+    <p:spTree>
+      <p:nvGrpSpPr>
+        <p:cNvPr id="1" name=""/>
+        <p:cNvGrpSpPr/>
+        <p:nvPr/>
+      </p:nvGrpSpPr>
+      <p:grpSpPr>
+        <a:xfrm>
+          <a:off x="0" y="0"/>
+          <a:ext cx="0" cy="0"/>
+          <a:chOff x="0" y="0"/>
+          <a:chExt cx="0" cy="0"/>
+        </a:xfrm>
+      </p:grpSpPr>
       <p:sp>
         <p:nvSpPr>
           <p:cNvPr id="2" name="Title 1">
@@ -12449,7 +12530,7 @@
         </p:nvSpPr>
         <p:spPr>
           <a:xfrm>
-            <a:off x="1910862" y="2729951"/>
+            <a:off x="1910862" y="1736299"/>
             <a:ext cx="10281138" cy="1398098"/>
           </a:xfrm>
         </p:spPr>
@@ -12460,7 +12541,11 @@
           <a:lstStyle/>
           <a:p>
             <a:r>
-              <a:rPr lang="en-US" dirty="0"/>
+              <a:rPr lang="en-US" dirty="0">
+                <a:solidFill>
+                  <a:srgbClr val="ADA67C"/>
+                </a:solidFill>
+              </a:rPr>
               <a:t>DRONE DELIVERY SYSTEM - ITSP 2020</a:t>
             </a:r>
           </a:p>
@@ -12484,7 +12569,7 @@
         </p:nvSpPr>
         <p:spPr>
           <a:xfrm>
-            <a:off x="2474300" y="4422652"/>
+            <a:off x="2014557" y="3649654"/>
             <a:ext cx="8791575" cy="2133599"/>
           </a:xfrm>
         </p:spPr>
@@ -12567,36 +12652,6 @@
           </a:p>
         </p:txBody>
       </p:sp>
-      <p:pic>
-        <p:nvPicPr>
-          <p:cNvPr id="7" name="Picture 6">
-            <a:extLst>
-              <a:ext uri="{FF2B5EF4-FFF2-40B4-BE49-F238E27FC236}">
-                <a16:creationId xmlns:a16="http://schemas.microsoft.com/office/drawing/2014/main" id="{FF13307D-BAEC-D84C-90CD-A2CAEE6D08E2}"/>
-              </a:ext>
-            </a:extLst>
-          </p:cNvPr>
-          <p:cNvPicPr>
-            <a:picLocks noChangeAspect="1"/>
-          </p:cNvPicPr>
-          <p:nvPr/>
-        </p:nvPicPr>
-        <p:blipFill>
-          <a:blip r:embed="rId2"/>
-          <a:stretch>
-            <a:fillRect/>
-          </a:stretch>
-        </p:blipFill>
-        <p:spPr>
-          <a:xfrm>
-            <a:off x="3569677" y="301749"/>
-            <a:ext cx="5052645" cy="2732000"/>
-          </a:xfrm>
-          <a:prstGeom prst="rect">
-            <a:avLst/>
-          </a:prstGeom>
-        </p:spPr>
-      </p:pic>
     </p:spTree>
     <p:extLst>
       <p:ext uri="{BB962C8B-B14F-4D97-AF65-F5344CB8AC3E}">
@@ -12610,7 +12665,7 @@
 </p:sld>
 </file>
 
-<file path=ppt/slides/slide2.xml><?xml version="1.0" encoding="utf-8"?>
+<file path=ppt/slides/slide3.xml><?xml version="1.0" encoding="utf-8"?>
 <p:sld xmlns:a="http://schemas.openxmlformats.org/drawingml/2006/main" xmlns:r="http://schemas.openxmlformats.org/officeDocument/2006/relationships" xmlns:p="http://schemas.openxmlformats.org/presentationml/2006/main">
   <p:cSld>
     <p:spTree>
@@ -12649,7 +12704,11 @@
           <a:lstStyle/>
           <a:p>
             <a:r>
-              <a:rPr lang="en-US" dirty="0"/>
+              <a:rPr lang="en-US" dirty="0">
+                <a:solidFill>
+                  <a:srgbClr val="ADA67C"/>
+                </a:solidFill>
+              </a:rPr>
               <a:t>Motivation</a:t>
             </a:r>
           </a:p>
@@ -12720,7 +12779,7 @@
 </p:sld>
 </file>
 
-<file path=ppt/slides/slide3.xml><?xml version="1.0" encoding="utf-8"?>
+<file path=ppt/slides/slide4.xml><?xml version="1.0" encoding="utf-8"?>
 <p:sld xmlns:a="http://schemas.openxmlformats.org/drawingml/2006/main" xmlns:r="http://schemas.openxmlformats.org/officeDocument/2006/relationships" xmlns:p="http://schemas.openxmlformats.org/presentationml/2006/main">
   <p:cSld>
     <p:spTree>
@@ -12759,7 +12818,11 @@
           <a:lstStyle/>
           <a:p>
             <a:r>
-              <a:rPr lang="en-US" dirty="0"/>
+              <a:rPr lang="en-US" dirty="0">
+                <a:solidFill>
+                  <a:srgbClr val="ADA67C"/>
+                </a:solidFill>
+              </a:rPr>
               <a:t>Objective</a:t>
             </a:r>
           </a:p>
@@ -12825,7 +12888,980 @@
 </p:sld>
 </file>
 
-<file path=ppt/slides/slide4.xml><?xml version="1.0" encoding="utf-8"?>
+<file path=ppt/slides/slide5.xml><?xml version="1.0" encoding="utf-8"?>
+<p:sld xmlns:a="http://schemas.openxmlformats.org/drawingml/2006/main" xmlns:r="http://schemas.openxmlformats.org/officeDocument/2006/relationships" xmlns:p="http://schemas.openxmlformats.org/presentationml/2006/main">
+  <p:cSld>
+    <p:spTree>
+      <p:nvGrpSpPr>
+        <p:cNvPr id="1" name=""/>
+        <p:cNvGrpSpPr/>
+        <p:nvPr/>
+      </p:nvGrpSpPr>
+      <p:grpSpPr>
+        <a:xfrm>
+          <a:off x="0" y="0"/>
+          <a:ext cx="0" cy="0"/>
+          <a:chOff x="0" y="0"/>
+          <a:chExt cx="0" cy="0"/>
+        </a:xfrm>
+      </p:grpSpPr>
+      <p:sp>
+        <p:nvSpPr>
+          <p:cNvPr id="2" name="Title 1">
+            <a:extLst>
+              <a:ext uri="{FF2B5EF4-FFF2-40B4-BE49-F238E27FC236}">
+                <a16:creationId xmlns:a16="http://schemas.microsoft.com/office/drawing/2014/main" id="{CD08F75B-E833-4661-BD1B-84043A375906}"/>
+              </a:ext>
+            </a:extLst>
+          </p:cNvPr>
+          <p:cNvSpPr>
+            <a:spLocks noGrp="1"/>
+          </p:cNvSpPr>
+          <p:nvPr>
+            <p:ph type="title"/>
+          </p:nvPr>
+        </p:nvSpPr>
+        <p:spPr>
+          <a:xfrm>
+            <a:off x="1285846" y="73518"/>
+            <a:ext cx="9905998" cy="1478570"/>
+          </a:xfrm>
+        </p:spPr>
+        <p:txBody>
+          <a:bodyPr/>
+          <a:lstStyle/>
+          <a:p>
+            <a:r>
+              <a:rPr lang="en-IN" dirty="0">
+                <a:solidFill>
+                  <a:srgbClr val="ADA67C"/>
+                </a:solidFill>
+              </a:rPr>
+              <a:t>Project overview</a:t>
+            </a:r>
+          </a:p>
+        </p:txBody>
+      </p:sp>
+      <p:grpSp>
+        <p:nvGrpSpPr>
+          <p:cNvPr id="6" name="Group 5">
+            <a:extLst>
+              <a:ext uri="{FF2B5EF4-FFF2-40B4-BE49-F238E27FC236}">
+                <a16:creationId xmlns:a16="http://schemas.microsoft.com/office/drawing/2014/main" id="{BF1021D8-6795-47D2-8B8B-889A313E8307}"/>
+              </a:ext>
+            </a:extLst>
+          </p:cNvPr>
+          <p:cNvGrpSpPr/>
+          <p:nvPr/>
+        </p:nvGrpSpPr>
+        <p:grpSpPr>
+          <a:xfrm>
+            <a:off x="1388955" y="1377384"/>
+            <a:ext cx="9745891" cy="4316854"/>
+            <a:chOff x="1388955" y="1377384"/>
+            <a:chExt cx="9745891" cy="4316854"/>
+          </a:xfrm>
+        </p:grpSpPr>
+        <p:sp>
+          <p:nvSpPr>
+            <p:cNvPr id="7" name="TextBox 6">
+              <a:extLst>
+                <a:ext uri="{FF2B5EF4-FFF2-40B4-BE49-F238E27FC236}">
+                  <a16:creationId xmlns:a16="http://schemas.microsoft.com/office/drawing/2014/main" id="{40E821E5-F1CA-4325-8CF4-40040B946973}"/>
+                </a:ext>
+              </a:extLst>
+            </p:cNvPr>
+            <p:cNvSpPr txBox="1"/>
+            <p:nvPr/>
+          </p:nvSpPr>
+          <p:spPr>
+            <a:xfrm>
+              <a:off x="4907666" y="5183460"/>
+              <a:ext cx="3518704" cy="510778"/>
+            </a:xfrm>
+            <a:prstGeom prst="roundRect">
+              <a:avLst/>
+            </a:prstGeom>
+            <a:noFill/>
+            <a:ln w="57150">
+              <a:solidFill>
+                <a:schemeClr val="tx1"/>
+              </a:solidFill>
+              <a:prstDash val="sysDot"/>
+            </a:ln>
+          </p:spPr>
+          <p:txBody>
+            <a:bodyPr wrap="square" rtlCol="0">
+              <a:spAutoFit/>
+            </a:bodyPr>
+            <a:lstStyle>
+              <a:defPPr>
+                <a:defRPr lang="en-US"/>
+              </a:defPPr>
+              <a:lvl1pPr algn="ctr">
+                <a:defRPr sz="2400" b="1">
+                  <a:solidFill>
+                    <a:srgbClr val="FFFF00"/>
+                  </a:solidFill>
+                  <a:effectLst>
+                    <a:outerShdw blurRad="38100" dist="38100" dir="2700000" algn="tl">
+                      <a:srgbClr val="000000">
+                        <a:alpha val="43137"/>
+                      </a:srgbClr>
+                    </a:outerShdw>
+                  </a:effectLst>
+                </a:defRPr>
+              </a:lvl1pPr>
+            </a:lstStyle>
+            <a:p>
+              <a:r>
+                <a:rPr lang="en-IN" dirty="0">
+                  <a:solidFill>
+                    <a:srgbClr val="ADA67C"/>
+                  </a:solidFill>
+                </a:rPr>
+                <a:t>Gazebo Simulation</a:t>
+              </a:r>
+            </a:p>
+          </p:txBody>
+        </p:sp>
+        <p:sp>
+          <p:nvSpPr>
+            <p:cNvPr id="8" name="TextBox 7">
+              <a:extLst>
+                <a:ext uri="{FF2B5EF4-FFF2-40B4-BE49-F238E27FC236}">
+                  <a16:creationId xmlns:a16="http://schemas.microsoft.com/office/drawing/2014/main" id="{95153D04-F5D0-4AAF-BB4E-D876C6F5F601}"/>
+                </a:ext>
+              </a:extLst>
+            </p:cNvPr>
+            <p:cNvSpPr txBox="1"/>
+            <p:nvPr/>
+          </p:nvSpPr>
+          <p:spPr>
+            <a:xfrm>
+              <a:off x="7600710" y="1377384"/>
+              <a:ext cx="3534136" cy="2349579"/>
+            </a:xfrm>
+            <a:prstGeom prst="roundRect">
+              <a:avLst/>
+            </a:prstGeom>
+            <a:noFill/>
+            <a:ln w="57150">
+              <a:solidFill>
+                <a:schemeClr val="tx1"/>
+              </a:solidFill>
+              <a:prstDash val="sysDot"/>
+            </a:ln>
+          </p:spPr>
+          <p:txBody>
+            <a:bodyPr wrap="square" rtlCol="0">
+              <a:spAutoFit/>
+            </a:bodyPr>
+            <a:lstStyle>
+              <a:defPPr>
+                <a:defRPr lang="en-US"/>
+              </a:defPPr>
+              <a:lvl1pPr algn="ctr">
+                <a:defRPr sz="2400" b="1">
+                  <a:solidFill>
+                    <a:srgbClr val="FFFF00"/>
+                  </a:solidFill>
+                  <a:effectLst>
+                    <a:outerShdw blurRad="38100" dist="38100" dir="2700000" algn="tl">
+                      <a:srgbClr val="000000">
+                        <a:alpha val="43137"/>
+                      </a:srgbClr>
+                    </a:outerShdw>
+                  </a:effectLst>
+                </a:defRPr>
+              </a:lvl1pPr>
+            </a:lstStyle>
+            <a:p>
+              <a:r>
+                <a:rPr lang="en-IN" dirty="0">
+                  <a:solidFill>
+                    <a:srgbClr val="ADA67C"/>
+                  </a:solidFill>
+                </a:rPr>
+                <a:t>PX 4 Firmware</a:t>
+              </a:r>
+            </a:p>
+            <a:p>
+              <a:endParaRPr lang="en-IN" dirty="0"/>
+            </a:p>
+            <a:p>
+              <a:endParaRPr lang="en-IN" dirty="0"/>
+            </a:p>
+            <a:p>
+              <a:endParaRPr lang="en-IN" dirty="0"/>
+            </a:p>
+            <a:p>
+              <a:endParaRPr lang="en-IN" dirty="0"/>
+            </a:p>
+            <a:p>
+              <a:endParaRPr lang="en-IN" sz="1000" dirty="0"/>
+            </a:p>
+          </p:txBody>
+        </p:sp>
+        <p:grpSp>
+          <p:nvGrpSpPr>
+            <p:cNvPr id="9" name="Group 8">
+              <a:extLst>
+                <a:ext uri="{FF2B5EF4-FFF2-40B4-BE49-F238E27FC236}">
+                  <a16:creationId xmlns:a16="http://schemas.microsoft.com/office/drawing/2014/main" id="{3D3A6FBC-769E-4EBB-87D6-141D69FF1952}"/>
+                </a:ext>
+              </a:extLst>
+            </p:cNvPr>
+            <p:cNvGrpSpPr/>
+            <p:nvPr/>
+          </p:nvGrpSpPr>
+          <p:grpSpPr>
+            <a:xfrm>
+              <a:off x="7750310" y="1995253"/>
+              <a:ext cx="3250363" cy="1435058"/>
+              <a:chOff x="7750310" y="2469824"/>
+              <a:chExt cx="3250363" cy="1435058"/>
+            </a:xfrm>
+          </p:grpSpPr>
+          <p:sp>
+            <p:nvSpPr>
+              <p:cNvPr id="21" name="TextBox 20">
+                <a:extLst>
+                  <a:ext uri="{FF2B5EF4-FFF2-40B4-BE49-F238E27FC236}">
+                    <a16:creationId xmlns:a16="http://schemas.microsoft.com/office/drawing/2014/main" id="{40F03AD5-630D-41B2-A3B5-3CD5A7D0AA32}"/>
+                  </a:ext>
+                </a:extLst>
+              </p:cNvPr>
+              <p:cNvSpPr txBox="1"/>
+              <p:nvPr/>
+            </p:nvSpPr>
+            <p:spPr>
+              <a:xfrm>
+                <a:off x="7750310" y="2469824"/>
+                <a:ext cx="3250361" cy="369332"/>
+              </a:xfrm>
+              <a:prstGeom prst="rect">
+                <a:avLst/>
+              </a:prstGeom>
+              <a:noFill/>
+              <a:ln w="38100">
+                <a:solidFill>
+                  <a:schemeClr val="tx1"/>
+                </a:solidFill>
+                <a:prstDash val="solid"/>
+              </a:ln>
+            </p:spPr>
+            <p:txBody>
+              <a:bodyPr wrap="square" rtlCol="0">
+                <a:spAutoFit/>
+              </a:bodyPr>
+              <a:lstStyle>
+                <a:defPPr>
+                  <a:defRPr lang="en-US"/>
+                </a:defPPr>
+                <a:lvl1pPr algn="ctr">
+                  <a:defRPr>
+                    <a:solidFill>
+                      <a:schemeClr val="tx1"/>
+                    </a:solidFill>
+                  </a:defRPr>
+                </a:lvl1pPr>
+                <a:lvl2pPr>
+                  <a:defRPr>
+                    <a:solidFill>
+                      <a:schemeClr val="tx1"/>
+                    </a:solidFill>
+                  </a:defRPr>
+                </a:lvl2pPr>
+                <a:lvl3pPr>
+                  <a:defRPr>
+                    <a:solidFill>
+                      <a:schemeClr val="tx1"/>
+                    </a:solidFill>
+                  </a:defRPr>
+                </a:lvl3pPr>
+                <a:lvl4pPr>
+                  <a:defRPr>
+                    <a:solidFill>
+                      <a:schemeClr val="tx1"/>
+                    </a:solidFill>
+                  </a:defRPr>
+                </a:lvl4pPr>
+                <a:lvl5pPr>
+                  <a:defRPr>
+                    <a:solidFill>
+                      <a:schemeClr val="tx1"/>
+                    </a:solidFill>
+                  </a:defRPr>
+                </a:lvl5pPr>
+                <a:lvl6pPr>
+                  <a:defRPr>
+                    <a:solidFill>
+                      <a:schemeClr val="tx1"/>
+                    </a:solidFill>
+                  </a:defRPr>
+                </a:lvl6pPr>
+                <a:lvl7pPr>
+                  <a:defRPr>
+                    <a:solidFill>
+                      <a:schemeClr val="tx1"/>
+                    </a:solidFill>
+                  </a:defRPr>
+                </a:lvl7pPr>
+                <a:lvl8pPr>
+                  <a:defRPr>
+                    <a:solidFill>
+                      <a:schemeClr val="tx1"/>
+                    </a:solidFill>
+                  </a:defRPr>
+                </a:lvl8pPr>
+                <a:lvl9pPr>
+                  <a:defRPr>
+                    <a:solidFill>
+                      <a:schemeClr val="tx1"/>
+                    </a:solidFill>
+                  </a:defRPr>
+                </a:lvl9pPr>
+              </a:lstStyle>
+              <a:p>
+                <a:r>
+                  <a:rPr lang="en-IN" b="1" dirty="0"/>
+                  <a:t>Launch Files</a:t>
+                </a:r>
+              </a:p>
+            </p:txBody>
+          </p:sp>
+          <p:sp>
+            <p:nvSpPr>
+              <p:cNvPr id="22" name="TextBox 21">
+                <a:extLst>
+                  <a:ext uri="{FF2B5EF4-FFF2-40B4-BE49-F238E27FC236}">
+                    <a16:creationId xmlns:a16="http://schemas.microsoft.com/office/drawing/2014/main" id="{64779733-4C32-449C-9C1F-7C6DFC90288D}"/>
+                  </a:ext>
+                </a:extLst>
+              </p:cNvPr>
+              <p:cNvSpPr txBox="1"/>
+              <p:nvPr/>
+            </p:nvSpPr>
+            <p:spPr>
+              <a:xfrm>
+                <a:off x="7750312" y="3002687"/>
+                <a:ext cx="3250361" cy="369332"/>
+              </a:xfrm>
+              <a:prstGeom prst="rect">
+                <a:avLst/>
+              </a:prstGeom>
+              <a:noFill/>
+              <a:ln w="38100">
+                <a:solidFill>
+                  <a:schemeClr val="tx1"/>
+                </a:solidFill>
+                <a:prstDash val="solid"/>
+              </a:ln>
+            </p:spPr>
+            <p:txBody>
+              <a:bodyPr wrap="square" rtlCol="0">
+                <a:spAutoFit/>
+              </a:bodyPr>
+              <a:lstStyle>
+                <a:defPPr>
+                  <a:defRPr lang="en-US"/>
+                </a:defPPr>
+                <a:lvl1pPr algn="ctr">
+                  <a:defRPr>
+                    <a:solidFill>
+                      <a:schemeClr val="tx1"/>
+                    </a:solidFill>
+                  </a:defRPr>
+                </a:lvl1pPr>
+                <a:lvl2pPr>
+                  <a:defRPr>
+                    <a:solidFill>
+                      <a:schemeClr val="tx1"/>
+                    </a:solidFill>
+                  </a:defRPr>
+                </a:lvl2pPr>
+                <a:lvl3pPr>
+                  <a:defRPr>
+                    <a:solidFill>
+                      <a:schemeClr val="tx1"/>
+                    </a:solidFill>
+                  </a:defRPr>
+                </a:lvl3pPr>
+                <a:lvl4pPr>
+                  <a:defRPr>
+                    <a:solidFill>
+                      <a:schemeClr val="tx1"/>
+                    </a:solidFill>
+                  </a:defRPr>
+                </a:lvl4pPr>
+                <a:lvl5pPr>
+                  <a:defRPr>
+                    <a:solidFill>
+                      <a:schemeClr val="tx1"/>
+                    </a:solidFill>
+                  </a:defRPr>
+                </a:lvl5pPr>
+                <a:lvl6pPr>
+                  <a:defRPr>
+                    <a:solidFill>
+                      <a:schemeClr val="tx1"/>
+                    </a:solidFill>
+                  </a:defRPr>
+                </a:lvl6pPr>
+                <a:lvl7pPr>
+                  <a:defRPr>
+                    <a:solidFill>
+                      <a:schemeClr val="tx1"/>
+                    </a:solidFill>
+                  </a:defRPr>
+                </a:lvl7pPr>
+                <a:lvl8pPr>
+                  <a:defRPr>
+                    <a:solidFill>
+                      <a:schemeClr val="tx1"/>
+                    </a:solidFill>
+                  </a:defRPr>
+                </a:lvl8pPr>
+                <a:lvl9pPr>
+                  <a:defRPr>
+                    <a:solidFill>
+                      <a:schemeClr val="tx1"/>
+                    </a:solidFill>
+                  </a:defRPr>
+                </a:lvl9pPr>
+              </a:lstStyle>
+              <a:p>
+                <a:r>
+                  <a:rPr lang="en-IN" b="1" dirty="0"/>
+                  <a:t>World &amp; Drone Models</a:t>
+                </a:r>
+              </a:p>
+            </p:txBody>
+          </p:sp>
+          <p:sp>
+            <p:nvSpPr>
+              <p:cNvPr id="23" name="TextBox 22">
+                <a:extLst>
+                  <a:ext uri="{FF2B5EF4-FFF2-40B4-BE49-F238E27FC236}">
+                    <a16:creationId xmlns:a16="http://schemas.microsoft.com/office/drawing/2014/main" id="{705C90EE-FB12-41A2-AAA2-6F80DDBF1D7B}"/>
+                  </a:ext>
+                </a:extLst>
+              </p:cNvPr>
+              <p:cNvSpPr txBox="1"/>
+              <p:nvPr/>
+            </p:nvSpPr>
+            <p:spPr>
+              <a:xfrm>
+                <a:off x="7750312" y="3535550"/>
+                <a:ext cx="3250361" cy="369332"/>
+              </a:xfrm>
+              <a:prstGeom prst="rect">
+                <a:avLst/>
+              </a:prstGeom>
+              <a:noFill/>
+              <a:ln w="38100">
+                <a:solidFill>
+                  <a:schemeClr val="tx1"/>
+                </a:solidFill>
+                <a:prstDash val="solid"/>
+              </a:ln>
+            </p:spPr>
+            <p:txBody>
+              <a:bodyPr wrap="square" rtlCol="0">
+                <a:spAutoFit/>
+              </a:bodyPr>
+              <a:lstStyle>
+                <a:defPPr>
+                  <a:defRPr lang="en-US"/>
+                </a:defPPr>
+                <a:lvl1pPr algn="ctr">
+                  <a:defRPr>
+                    <a:solidFill>
+                      <a:schemeClr val="tx1"/>
+                    </a:solidFill>
+                  </a:defRPr>
+                </a:lvl1pPr>
+                <a:lvl2pPr>
+                  <a:defRPr>
+                    <a:solidFill>
+                      <a:schemeClr val="tx1"/>
+                    </a:solidFill>
+                  </a:defRPr>
+                </a:lvl2pPr>
+                <a:lvl3pPr>
+                  <a:defRPr>
+                    <a:solidFill>
+                      <a:schemeClr val="tx1"/>
+                    </a:solidFill>
+                  </a:defRPr>
+                </a:lvl3pPr>
+                <a:lvl4pPr>
+                  <a:defRPr>
+                    <a:solidFill>
+                      <a:schemeClr val="tx1"/>
+                    </a:solidFill>
+                  </a:defRPr>
+                </a:lvl4pPr>
+                <a:lvl5pPr>
+                  <a:defRPr>
+                    <a:solidFill>
+                      <a:schemeClr val="tx1"/>
+                    </a:solidFill>
+                  </a:defRPr>
+                </a:lvl5pPr>
+                <a:lvl6pPr>
+                  <a:defRPr>
+                    <a:solidFill>
+                      <a:schemeClr val="tx1"/>
+                    </a:solidFill>
+                  </a:defRPr>
+                </a:lvl6pPr>
+                <a:lvl7pPr>
+                  <a:defRPr>
+                    <a:solidFill>
+                      <a:schemeClr val="tx1"/>
+                    </a:solidFill>
+                  </a:defRPr>
+                </a:lvl7pPr>
+                <a:lvl8pPr>
+                  <a:defRPr>
+                    <a:solidFill>
+                      <a:schemeClr val="tx1"/>
+                    </a:solidFill>
+                  </a:defRPr>
+                </a:lvl8pPr>
+                <a:lvl9pPr>
+                  <a:defRPr>
+                    <a:solidFill>
+                      <a:schemeClr val="tx1"/>
+                    </a:solidFill>
+                  </a:defRPr>
+                </a:lvl9pPr>
+              </a:lstStyle>
+              <a:p>
+                <a:r>
+                  <a:rPr lang="en-IN" b="1" dirty="0"/>
+                  <a:t>MAVLINK UAV Comm.</a:t>
+                </a:r>
+              </a:p>
+            </p:txBody>
+          </p:sp>
+        </p:grpSp>
+        <p:sp>
+          <p:nvSpPr>
+            <p:cNvPr id="11" name="TextBox 10">
+              <a:extLst>
+                <a:ext uri="{FF2B5EF4-FFF2-40B4-BE49-F238E27FC236}">
+                  <a16:creationId xmlns:a16="http://schemas.microsoft.com/office/drawing/2014/main" id="{8EF433DC-EE73-4527-9D1C-395B1BF960FD}"/>
+                </a:ext>
+              </a:extLst>
+            </p:cNvPr>
+            <p:cNvSpPr txBox="1"/>
+            <p:nvPr/>
+          </p:nvSpPr>
+          <p:spPr>
+            <a:xfrm>
+              <a:off x="1388955" y="1377384"/>
+              <a:ext cx="4271068" cy="2349579"/>
+            </a:xfrm>
+            <a:prstGeom prst="roundRect">
+              <a:avLst/>
+            </a:prstGeom>
+            <a:noFill/>
+            <a:ln w="57150">
+              <a:solidFill>
+                <a:schemeClr val="tx1"/>
+              </a:solidFill>
+              <a:prstDash val="sysDot"/>
+            </a:ln>
+          </p:spPr>
+          <p:txBody>
+            <a:bodyPr wrap="square" rtlCol="0">
+              <a:spAutoFit/>
+            </a:bodyPr>
+            <a:lstStyle>
+              <a:defPPr>
+                <a:defRPr lang="en-US"/>
+              </a:defPPr>
+              <a:lvl1pPr algn="ctr">
+                <a:defRPr sz="2400" b="1">
+                  <a:solidFill>
+                    <a:srgbClr val="FFFF00"/>
+                  </a:solidFill>
+                  <a:effectLst>
+                    <a:outerShdw blurRad="38100" dist="38100" dir="2700000" algn="tl">
+                      <a:srgbClr val="000000">
+                        <a:alpha val="43137"/>
+                      </a:srgbClr>
+                    </a:outerShdw>
+                  </a:effectLst>
+                </a:defRPr>
+              </a:lvl1pPr>
+            </a:lstStyle>
+            <a:p>
+              <a:r>
+                <a:rPr lang="en-IN" dirty="0">
+                  <a:solidFill>
+                    <a:srgbClr val="ADA67C"/>
+                  </a:solidFill>
+                </a:rPr>
+                <a:t>ROS Node</a:t>
+              </a:r>
+            </a:p>
+            <a:p>
+              <a:endParaRPr lang="en-IN" dirty="0"/>
+            </a:p>
+            <a:p>
+              <a:endParaRPr lang="en-IN" dirty="0"/>
+            </a:p>
+            <a:p>
+              <a:endParaRPr lang="en-IN" dirty="0"/>
+            </a:p>
+            <a:p>
+              <a:endParaRPr lang="en-IN" dirty="0"/>
+            </a:p>
+            <a:p>
+              <a:endParaRPr lang="en-IN" sz="1100" dirty="0"/>
+            </a:p>
+          </p:txBody>
+        </p:sp>
+        <p:grpSp>
+          <p:nvGrpSpPr>
+            <p:cNvPr id="14" name="Group 13">
+              <a:extLst>
+                <a:ext uri="{FF2B5EF4-FFF2-40B4-BE49-F238E27FC236}">
+                  <a16:creationId xmlns:a16="http://schemas.microsoft.com/office/drawing/2014/main" id="{A7177FEE-47DB-4CCF-9F33-D0CBEFF90E8E}"/>
+                </a:ext>
+              </a:extLst>
+            </p:cNvPr>
+            <p:cNvGrpSpPr/>
+            <p:nvPr/>
+          </p:nvGrpSpPr>
+          <p:grpSpPr>
+            <a:xfrm>
+              <a:off x="1556355" y="1995253"/>
+              <a:ext cx="3941623" cy="1455833"/>
+              <a:chOff x="1556355" y="2469824"/>
+              <a:chExt cx="3941623" cy="1455833"/>
+            </a:xfrm>
+          </p:grpSpPr>
+          <p:sp>
+            <p:nvSpPr>
+              <p:cNvPr id="18" name="TextBox 17">
+                <a:extLst>
+                  <a:ext uri="{FF2B5EF4-FFF2-40B4-BE49-F238E27FC236}">
+                    <a16:creationId xmlns:a16="http://schemas.microsoft.com/office/drawing/2014/main" id="{80D03E45-9A5B-4F04-B09D-AEA6AD2B13B9}"/>
+                  </a:ext>
+                </a:extLst>
+              </p:cNvPr>
+              <p:cNvSpPr txBox="1"/>
+              <p:nvPr/>
+            </p:nvSpPr>
+            <p:spPr>
+              <a:xfrm>
+                <a:off x="1561710" y="2469824"/>
+                <a:ext cx="3936268" cy="369332"/>
+              </a:xfrm>
+              <a:prstGeom prst="rect">
+                <a:avLst/>
+              </a:prstGeom>
+              <a:noFill/>
+              <a:ln w="38100">
+                <a:solidFill>
+                  <a:schemeClr val="tx1"/>
+                </a:solidFill>
+                <a:prstDash val="solid"/>
+              </a:ln>
+            </p:spPr>
+            <p:txBody>
+              <a:bodyPr wrap="square" rtlCol="0">
+                <a:spAutoFit/>
+              </a:bodyPr>
+              <a:lstStyle>
+                <a:defPPr>
+                  <a:defRPr lang="en-US"/>
+                </a:defPPr>
+                <a:lvl1pPr algn="ctr">
+                  <a:defRPr b="1"/>
+                </a:lvl1pPr>
+              </a:lstStyle>
+              <a:p>
+                <a:r>
+                  <a:rPr lang="en-IN" dirty="0"/>
+                  <a:t>Mission Control (Waypoint, Mode)</a:t>
+                </a:r>
+              </a:p>
+            </p:txBody>
+          </p:sp>
+          <p:sp>
+            <p:nvSpPr>
+              <p:cNvPr id="19" name="TextBox 18">
+                <a:extLst>
+                  <a:ext uri="{FF2B5EF4-FFF2-40B4-BE49-F238E27FC236}">
+                    <a16:creationId xmlns:a16="http://schemas.microsoft.com/office/drawing/2014/main" id="{DEBD3996-93B8-410C-8794-CDCC1F5762E0}"/>
+                  </a:ext>
+                </a:extLst>
+              </p:cNvPr>
+              <p:cNvSpPr txBox="1"/>
+              <p:nvPr/>
+            </p:nvSpPr>
+            <p:spPr>
+              <a:xfrm>
+                <a:off x="1561710" y="2999552"/>
+                <a:ext cx="3936268" cy="369332"/>
+              </a:xfrm>
+              <a:prstGeom prst="rect">
+                <a:avLst/>
+              </a:prstGeom>
+              <a:noFill/>
+              <a:ln w="38100">
+                <a:solidFill>
+                  <a:schemeClr val="tx1"/>
+                </a:solidFill>
+                <a:prstDash val="solid"/>
+              </a:ln>
+            </p:spPr>
+            <p:txBody>
+              <a:bodyPr wrap="square" rtlCol="0">
+                <a:spAutoFit/>
+              </a:bodyPr>
+              <a:lstStyle>
+                <a:defPPr>
+                  <a:defRPr lang="en-US"/>
+                </a:defPPr>
+                <a:lvl1pPr algn="ctr">
+                  <a:defRPr b="1"/>
+                </a:lvl1pPr>
+              </a:lstStyle>
+              <a:p>
+                <a:r>
+                  <a:rPr lang="en-IN" dirty="0"/>
+                  <a:t>Location Input From Website</a:t>
+                </a:r>
+              </a:p>
+            </p:txBody>
+          </p:sp>
+          <p:sp>
+            <p:nvSpPr>
+              <p:cNvPr id="20" name="TextBox 19">
+                <a:extLst>
+                  <a:ext uri="{FF2B5EF4-FFF2-40B4-BE49-F238E27FC236}">
+                    <a16:creationId xmlns:a16="http://schemas.microsoft.com/office/drawing/2014/main" id="{38172EAE-2B1E-4EDD-AE3B-E25623A6C45F}"/>
+                  </a:ext>
+                </a:extLst>
+              </p:cNvPr>
+              <p:cNvSpPr txBox="1"/>
+              <p:nvPr/>
+            </p:nvSpPr>
+            <p:spPr>
+              <a:xfrm>
+                <a:off x="1556355" y="3556325"/>
+                <a:ext cx="3936268" cy="369332"/>
+              </a:xfrm>
+              <a:prstGeom prst="rect">
+                <a:avLst/>
+              </a:prstGeom>
+              <a:noFill/>
+              <a:ln w="38100">
+                <a:solidFill>
+                  <a:schemeClr val="tx1"/>
+                </a:solidFill>
+                <a:prstDash val="solid"/>
+              </a:ln>
+            </p:spPr>
+            <p:txBody>
+              <a:bodyPr wrap="square" rtlCol="0">
+                <a:spAutoFit/>
+              </a:bodyPr>
+              <a:lstStyle>
+                <a:defPPr>
+                  <a:defRPr lang="en-US"/>
+                </a:defPPr>
+                <a:lvl1pPr algn="ctr">
+                  <a:defRPr b="1"/>
+                </a:lvl1pPr>
+              </a:lstStyle>
+              <a:p>
+                <a:r>
+                  <a:rPr lang="en-IN" dirty="0"/>
+                  <a:t>MAVROS</a:t>
+                </a:r>
+              </a:p>
+            </p:txBody>
+          </p:sp>
+        </p:grpSp>
+        <p:sp>
+          <p:nvSpPr>
+            <p:cNvPr id="15" name="Arrow: Left-Right 14">
+              <a:extLst>
+                <a:ext uri="{FF2B5EF4-FFF2-40B4-BE49-F238E27FC236}">
+                  <a16:creationId xmlns:a16="http://schemas.microsoft.com/office/drawing/2014/main" id="{04A9F9E5-DED4-40FE-AA20-EA144BE4AC4E}"/>
+                </a:ext>
+              </a:extLst>
+            </p:cNvPr>
+            <p:cNvSpPr/>
+            <p:nvPr/>
+          </p:nvSpPr>
+          <p:spPr>
+            <a:xfrm>
+              <a:off x="6007261" y="2524981"/>
+              <a:ext cx="1319514" cy="510778"/>
+            </a:xfrm>
+            <a:prstGeom prst="leftRightArrow">
+              <a:avLst/>
+            </a:prstGeom>
+            <a:noFill/>
+            <a:ln w="57150">
+              <a:solidFill>
+                <a:schemeClr val="tx1"/>
+              </a:solidFill>
+            </a:ln>
+          </p:spPr>
+          <p:style>
+            <a:lnRef idx="2">
+              <a:schemeClr val="accent1">
+                <a:shade val="50000"/>
+              </a:schemeClr>
+            </a:lnRef>
+            <a:fillRef idx="1">
+              <a:schemeClr val="accent1"/>
+            </a:fillRef>
+            <a:effectRef idx="0">
+              <a:schemeClr val="accent1"/>
+            </a:effectRef>
+            <a:fontRef idx="minor">
+              <a:schemeClr val="lt1"/>
+            </a:fontRef>
+          </p:style>
+          <p:txBody>
+            <a:bodyPr rtlCol="0" anchor="ctr"/>
+            <a:lstStyle/>
+            <a:p>
+              <a:pPr algn="ctr"/>
+              <a:endParaRPr lang="en-IN"/>
+            </a:p>
+          </p:txBody>
+        </p:sp>
+        <p:sp>
+          <p:nvSpPr>
+            <p:cNvPr id="16" name="Arrow: Left-Right 15">
+              <a:extLst>
+                <a:ext uri="{FF2B5EF4-FFF2-40B4-BE49-F238E27FC236}">
+                  <a16:creationId xmlns:a16="http://schemas.microsoft.com/office/drawing/2014/main" id="{C7C67E06-4C2A-420D-935E-22F4386CE99C}"/>
+                </a:ext>
+              </a:extLst>
+            </p:cNvPr>
+            <p:cNvSpPr/>
+            <p:nvPr/>
+          </p:nvSpPr>
+          <p:spPr>
+            <a:xfrm rot="18835114">
+              <a:off x="7901807" y="4152764"/>
+              <a:ext cx="1319514" cy="510778"/>
+            </a:xfrm>
+            <a:prstGeom prst="leftRightArrow">
+              <a:avLst/>
+            </a:prstGeom>
+            <a:noFill/>
+            <a:ln w="57150">
+              <a:solidFill>
+                <a:schemeClr val="tx1"/>
+              </a:solidFill>
+            </a:ln>
+          </p:spPr>
+          <p:style>
+            <a:lnRef idx="2">
+              <a:schemeClr val="accent1">
+                <a:shade val="50000"/>
+              </a:schemeClr>
+            </a:lnRef>
+            <a:fillRef idx="1">
+              <a:schemeClr val="accent1"/>
+            </a:fillRef>
+            <a:effectRef idx="0">
+              <a:schemeClr val="accent1"/>
+            </a:effectRef>
+            <a:fontRef idx="minor">
+              <a:schemeClr val="lt1"/>
+            </a:fontRef>
+          </p:style>
+          <p:txBody>
+            <a:bodyPr rtlCol="0" anchor="ctr"/>
+            <a:lstStyle/>
+            <a:p>
+              <a:pPr algn="ctr"/>
+              <a:endParaRPr lang="en-IN"/>
+            </a:p>
+          </p:txBody>
+        </p:sp>
+        <p:sp>
+          <p:nvSpPr>
+            <p:cNvPr id="17" name="Arrow: Right 16">
+              <a:extLst>
+                <a:ext uri="{FF2B5EF4-FFF2-40B4-BE49-F238E27FC236}">
+                  <a16:creationId xmlns:a16="http://schemas.microsoft.com/office/drawing/2014/main" id="{841D6725-CCA1-448D-9B01-73A5EC4C52BB}"/>
+                </a:ext>
+              </a:extLst>
+            </p:cNvPr>
+            <p:cNvSpPr/>
+            <p:nvPr/>
+          </p:nvSpPr>
+          <p:spPr>
+            <a:xfrm rot="2750435">
+              <a:off x="4381900" y="4152629"/>
+              <a:ext cx="1143361" cy="510778"/>
+            </a:xfrm>
+            <a:prstGeom prst="rightArrow">
+              <a:avLst/>
+            </a:prstGeom>
+            <a:noFill/>
+            <a:ln w="57150">
+              <a:solidFill>
+                <a:schemeClr val="tx1"/>
+              </a:solidFill>
+            </a:ln>
+          </p:spPr>
+          <p:style>
+            <a:lnRef idx="2">
+              <a:schemeClr val="accent1">
+                <a:shade val="50000"/>
+              </a:schemeClr>
+            </a:lnRef>
+            <a:fillRef idx="1">
+              <a:schemeClr val="accent1"/>
+            </a:fillRef>
+            <a:effectRef idx="0">
+              <a:schemeClr val="accent1"/>
+            </a:effectRef>
+            <a:fontRef idx="minor">
+              <a:schemeClr val="lt1"/>
+            </a:fontRef>
+          </p:style>
+          <p:txBody>
+            <a:bodyPr rtlCol="0" anchor="ctr"/>
+            <a:lstStyle/>
+            <a:p>
+              <a:pPr algn="ctr"/>
+              <a:endParaRPr lang="en-IN"/>
+            </a:p>
+          </p:txBody>
+        </p:sp>
+      </p:grpSp>
+    </p:spTree>
+    <p:extLst>
+      <p:ext uri="{BB962C8B-B14F-4D97-AF65-F5344CB8AC3E}">
+        <p14:creationId xmlns:p14="http://schemas.microsoft.com/office/powerpoint/2010/main" val="558821491"/>
+      </p:ext>
+    </p:extLst>
+  </p:cSld>
+  <p:clrMapOvr>
+    <a:masterClrMapping/>
+  </p:clrMapOvr>
+</p:sld>
+</file>
+
+<file path=ppt/slides/slide6.xml><?xml version="1.0" encoding="utf-8"?>
 <p:sld xmlns:a="http://schemas.openxmlformats.org/drawingml/2006/main" xmlns:r="http://schemas.openxmlformats.org/officeDocument/2006/relationships" xmlns:p="http://schemas.openxmlformats.org/presentationml/2006/main">
   <p:cSld>
     <p:spTree>
@@ -12864,7 +13900,11 @@
           <a:lstStyle/>
           <a:p>
             <a:r>
-              <a:rPr lang="en-US" dirty="0"/>
+              <a:rPr lang="en-US" dirty="0">
+                <a:solidFill>
+                  <a:srgbClr val="ADA67C"/>
+                </a:solidFill>
+              </a:rPr>
               <a:t>Technology Used</a:t>
             </a:r>
           </a:p>
@@ -12970,7 +14010,7 @@
 </p:sld>
 </file>
 
-<file path=ppt/slides/slide5.xml><?xml version="1.0" encoding="utf-8"?>
+<file path=ppt/slides/slide7.xml><?xml version="1.0" encoding="utf-8"?>
 <p:sld xmlns:a="http://schemas.openxmlformats.org/drawingml/2006/main" xmlns:r="http://schemas.openxmlformats.org/officeDocument/2006/relationships" xmlns:p="http://schemas.openxmlformats.org/presentationml/2006/main">
   <p:cSld>
     <p:spTree>
@@ -13009,7 +14049,11 @@
           <a:lstStyle/>
           <a:p>
             <a:r>
-              <a:rPr lang="en-US" dirty="0"/>
+              <a:rPr lang="en-US" dirty="0">
+                <a:solidFill>
+                  <a:srgbClr val="ADA67C"/>
+                </a:solidFill>
+              </a:rPr>
               <a:t>References</a:t>
             </a:r>
           </a:p>
@@ -13123,7 +14167,7 @@
 <file path=ppt/theme/theme1.xml><?xml version="1.0" encoding="utf-8"?>
 <a:theme xmlns:a="http://schemas.openxmlformats.org/drawingml/2006/main" name="Circuit">
   <a:themeElements>
-    <a:clrScheme name="Circuit">
+    <a:clrScheme name="Office 2007-2010">
       <a:dk1>
         <a:sysClr val="windowText" lastClr="000000"/>
       </a:dk1>
@@ -13131,34 +14175,34 @@
         <a:sysClr val="window" lastClr="FFFFFF"/>
       </a:lt1>
       <a:dk2>
-        <a:srgbClr val="252C36"/>
+        <a:srgbClr val="1F497D"/>
       </a:dk2>
       <a:lt2>
-        <a:srgbClr val="7C96A3"/>
+        <a:srgbClr val="EEECE1"/>
       </a:lt2>
       <a:accent1>
-        <a:srgbClr val="4FD093"/>
+        <a:srgbClr val="4F81BD"/>
       </a:accent1>
       <a:accent2>
-        <a:srgbClr val="54BCDF"/>
+        <a:srgbClr val="C0504D"/>
       </a:accent2>
       <a:accent3>
-        <a:srgbClr val="A262D0"/>
+        <a:srgbClr val="9BBB59"/>
       </a:accent3>
       <a:accent4>
-        <a:srgbClr val="D7537B"/>
+        <a:srgbClr val="8064A2"/>
       </a:accent4>
       <a:accent5>
-        <a:srgbClr val="E78045"/>
+        <a:srgbClr val="4BACC6"/>
       </a:accent5>
       <a:accent6>
-        <a:srgbClr val="84C350"/>
+        <a:srgbClr val="F79646"/>
       </a:accent6>
       <a:hlink>
-        <a:srgbClr val="22FFFF"/>
+        <a:srgbClr val="0000FF"/>
       </a:hlink>
       <a:folHlink>
-        <a:srgbClr val="9BF3FD"/>
+        <a:srgbClr val="800080"/>
       </a:folHlink>
     </a:clrScheme>
     <a:fontScheme name="Circuit">
